--- a/Nhom8_QuanLyThueXeDap.pptx
+++ b/Nhom8_QuanLyThueXeDap.pptx
@@ -5,38 +5,41 @@
     <p:sldMasterId id="2147483648" r:id="rId1"/>
   </p:sldMasterIdLst>
   <p:notesMasterIdLst>
-    <p:notesMasterId r:id="rId29"/>
+    <p:notesMasterId r:id="rId32"/>
   </p:notesMasterIdLst>
   <p:handoutMasterIdLst>
-    <p:handoutMasterId r:id="rId30"/>
+    <p:handoutMasterId r:id="rId33"/>
   </p:handoutMasterIdLst>
   <p:sldIdLst>
     <p:sldId id="258" r:id="rId3"/>
     <p:sldId id="273" r:id="rId4"/>
     <p:sldId id="257" r:id="rId5"/>
     <p:sldId id="274" r:id="rId6"/>
-    <p:sldId id="277" r:id="rId7"/>
-    <p:sldId id="279" r:id="rId8"/>
-    <p:sldId id="280" r:id="rId9"/>
-    <p:sldId id="282" r:id="rId10"/>
-    <p:sldId id="283" r:id="rId11"/>
-    <p:sldId id="286" r:id="rId12"/>
-    <p:sldId id="287" r:id="rId13"/>
-    <p:sldId id="288" r:id="rId14"/>
-    <p:sldId id="289" r:id="rId15"/>
-    <p:sldId id="291" r:id="rId16"/>
-    <p:sldId id="292" r:id="rId17"/>
-    <p:sldId id="293" r:id="rId18"/>
-    <p:sldId id="294" r:id="rId19"/>
-    <p:sldId id="295" r:id="rId20"/>
-    <p:sldId id="296" r:id="rId21"/>
-    <p:sldId id="297" r:id="rId22"/>
-    <p:sldId id="299" r:id="rId23"/>
-    <p:sldId id="300" r:id="rId24"/>
-    <p:sldId id="301" r:id="rId25"/>
-    <p:sldId id="305" r:id="rId26"/>
-    <p:sldId id="306" r:id="rId27"/>
-    <p:sldId id="267" r:id="rId28"/>
+    <p:sldId id="309" r:id="rId7"/>
+    <p:sldId id="311" r:id="rId8"/>
+    <p:sldId id="310" r:id="rId9"/>
+    <p:sldId id="277" r:id="rId10"/>
+    <p:sldId id="279" r:id="rId11"/>
+    <p:sldId id="280" r:id="rId12"/>
+    <p:sldId id="282" r:id="rId13"/>
+    <p:sldId id="283" r:id="rId14"/>
+    <p:sldId id="286" r:id="rId15"/>
+    <p:sldId id="287" r:id="rId16"/>
+    <p:sldId id="288" r:id="rId17"/>
+    <p:sldId id="289" r:id="rId18"/>
+    <p:sldId id="291" r:id="rId19"/>
+    <p:sldId id="292" r:id="rId20"/>
+    <p:sldId id="293" r:id="rId21"/>
+    <p:sldId id="294" r:id="rId22"/>
+    <p:sldId id="295" r:id="rId23"/>
+    <p:sldId id="296" r:id="rId24"/>
+    <p:sldId id="297" r:id="rId25"/>
+    <p:sldId id="299" r:id="rId26"/>
+    <p:sldId id="300" r:id="rId27"/>
+    <p:sldId id="301" r:id="rId28"/>
+    <p:sldId id="305" r:id="rId29"/>
+    <p:sldId id="306" r:id="rId30"/>
+    <p:sldId id="267" r:id="rId31"/>
   </p:sldIdLst>
   <p:sldSz cx="12192000" cy="6858000"/>
   <p:notesSz cx="6858000" cy="9144000"/>
@@ -4068,7 +4071,7 @@
         <p:spPr>
           <a:xfrm>
             <a:off x="940435" y="250190"/>
-            <a:ext cx="10602595" cy="521970"/>
+            <a:ext cx="10602595" cy="953135"/>
           </a:xfrm>
           <a:prstGeom prst="rect">
             <a:avLst/>
@@ -4082,15 +4085,29 @@
           <a:p>
             <a:pPr algn="l"/>
             <a:r>
-              <a:rPr lang="en-US" sz="2800" b="1">
+              <a:rPr lang="en-US" altLang="zh-CN" sz="2800" b="1" dirty="0" smtClean="0">
                 <a:solidFill>
                   <a:srgbClr val="FF0000"/>
                 </a:solidFill>
                 <a:latin typeface="Times New Roman" panose="02020603050405020304" charset="0"/>
+                <a:ea typeface="Calibri" panose="020F0502020204030204" pitchFamily="34" charset="0"/>
                 <a:cs typeface="Times New Roman" panose="02020603050405020304" charset="0"/>
                 <a:sym typeface="+mn-ea"/>
               </a:rPr>
-              <a:t>3. Thiết kế</a:t>
+              <a:t>2.  Nội dung</a:t>
+            </a:r>
+            <a:r>
+              <a:rPr lang="zh-CN" altLang="en-US" sz="2800" b="1" dirty="0" smtClean="0">
+                <a:solidFill>
+                  <a:srgbClr val="FF0000"/>
+                </a:solidFill>
+                <a:latin typeface="Times New Roman" panose="02020603050405020304" charset="0"/>
+                <a:ea typeface="Calibri" panose="020F0502020204030204" pitchFamily="34" charset="0"/>
+                <a:cs typeface="Times New Roman" panose="02020603050405020304" charset="0"/>
+                <a:sym typeface="+mn-ea"/>
+              </a:rPr>
+              <a:t>
+</a:t>
             </a:r>
             <a:endParaRPr lang="zh-CN" altLang="en-US" sz="2800" b="1" dirty="0" smtClean="0">
               <a:solidFill>
@@ -4134,7 +4151,7 @@
                 <a:latin typeface="Times New Roman" panose="02020603050405020304" charset="0"/>
                 <a:cs typeface="Times New Roman" panose="02020603050405020304" charset="0"/>
               </a:rPr>
-              <a:t>Màn hình form Main_user</a:t>
+              <a:t>Sơ đồ ERD</a:t>
             </a:r>
             <a:endParaRPr lang="en-US" sz="2800">
               <a:solidFill>
@@ -4148,25 +4165,30 @@
       </p:sp>
       <p:pic>
         <p:nvPicPr>
-          <p:cNvPr id="4" name="image17.png"/>
-          <p:cNvPicPr preferRelativeResize="0"/>
+          <p:cNvPr id="25" name="Picture 1"/>
+          <p:cNvPicPr>
+            <a:picLocks noChangeAspect="1"/>
+          </p:cNvPicPr>
           <p:nvPr/>
         </p:nvPicPr>
         <p:blipFill>
           <a:blip r:embed="rId1"/>
-          <a:srcRect/>
           <a:stretch>
             <a:fillRect/>
           </a:stretch>
         </p:blipFill>
         <p:spPr>
           <a:xfrm>
-            <a:off x="1788160" y="953135"/>
-            <a:ext cx="9278620" cy="4419600"/>
-          </a:xfrm>
-          <a:prstGeom prst="rect">
-            <a:avLst/>
-          </a:prstGeom>
+            <a:off x="2841625" y="1203325"/>
+            <a:ext cx="6509385" cy="4347845"/>
+          </a:xfrm>
+          <a:prstGeom prst="rect">
+            <a:avLst/>
+          </a:prstGeom>
+          <a:noFill/>
+          <a:ln>
+            <a:noFill/>
+          </a:ln>
         </p:spPr>
       </p:pic>
     </p:spTree>
@@ -4318,7 +4340,7 @@
         <p:spPr>
           <a:xfrm>
             <a:off x="940435" y="250190"/>
-            <a:ext cx="10602595" cy="521970"/>
+            <a:ext cx="10602595" cy="953135"/>
           </a:xfrm>
           <a:prstGeom prst="rect">
             <a:avLst/>
@@ -4332,15 +4354,29 @@
           <a:p>
             <a:pPr algn="l"/>
             <a:r>
-              <a:rPr lang="en-US" sz="2800" b="1">
+              <a:rPr lang="en-US" altLang="zh-CN" sz="2800" b="1" dirty="0" smtClean="0">
                 <a:solidFill>
                   <a:srgbClr val="FF0000"/>
                 </a:solidFill>
                 <a:latin typeface="Times New Roman" panose="02020603050405020304" charset="0"/>
+                <a:ea typeface="Calibri" panose="020F0502020204030204" pitchFamily="34" charset="0"/>
                 <a:cs typeface="Times New Roman" panose="02020603050405020304" charset="0"/>
                 <a:sym typeface="+mn-ea"/>
               </a:rPr>
-              <a:t>3. Thiết kế</a:t>
+              <a:t>2.  Nội dung</a:t>
+            </a:r>
+            <a:r>
+              <a:rPr lang="zh-CN" altLang="en-US" sz="2800" b="1" dirty="0" smtClean="0">
+                <a:solidFill>
+                  <a:srgbClr val="FF0000"/>
+                </a:solidFill>
+                <a:latin typeface="Times New Roman" panose="02020603050405020304" charset="0"/>
+                <a:ea typeface="Calibri" panose="020F0502020204030204" pitchFamily="34" charset="0"/>
+                <a:cs typeface="Times New Roman" panose="02020603050405020304" charset="0"/>
+                <a:sym typeface="+mn-ea"/>
+              </a:rPr>
+              <a:t>
+</a:t>
             </a:r>
             <a:endParaRPr lang="zh-CN" altLang="en-US" sz="2800" b="1" dirty="0" smtClean="0">
               <a:solidFill>
@@ -4384,7 +4420,7 @@
                 <a:latin typeface="Times New Roman" panose="02020603050405020304" charset="0"/>
                 <a:cs typeface="Times New Roman" panose="02020603050405020304" charset="0"/>
               </a:rPr>
-              <a:t> Màn hình form Main_KH</a:t>
+              <a:t>Sơ đồ màn hình cho quản lý</a:t>
             </a:r>
             <a:endParaRPr lang="en-US" sz="2800">
               <a:solidFill>
@@ -4398,7 +4434,7 @@
       </p:sp>
       <p:pic>
         <p:nvPicPr>
-          <p:cNvPr id="5" name="image21.png"/>
+          <p:cNvPr id="10" name="image20.png"/>
           <p:cNvPicPr preferRelativeResize="0"/>
           <p:nvPr/>
         </p:nvPicPr>
@@ -4411,8 +4447,8 @@
         </p:blipFill>
         <p:spPr>
           <a:xfrm>
-            <a:off x="2798445" y="1274445"/>
-            <a:ext cx="6886575" cy="3784600"/>
+            <a:off x="2098040" y="1240790"/>
+            <a:ext cx="8959215" cy="3525520"/>
           </a:xfrm>
           <a:prstGeom prst="rect">
             <a:avLst/>
@@ -4568,7 +4604,7 @@
         <p:spPr>
           <a:xfrm>
             <a:off x="940435" y="250190"/>
-            <a:ext cx="10602595" cy="521970"/>
+            <a:ext cx="10602595" cy="953135"/>
           </a:xfrm>
           <a:prstGeom prst="rect">
             <a:avLst/>
@@ -4582,15 +4618,29 @@
           <a:p>
             <a:pPr algn="l"/>
             <a:r>
-              <a:rPr lang="en-US" sz="2800" b="1">
+              <a:rPr lang="en-US" altLang="zh-CN" sz="2800" b="1" dirty="0" smtClean="0">
                 <a:solidFill>
                   <a:srgbClr val="FF0000"/>
                 </a:solidFill>
                 <a:latin typeface="Times New Roman" panose="02020603050405020304" charset="0"/>
+                <a:ea typeface="Calibri" panose="020F0502020204030204" pitchFamily="34" charset="0"/>
                 <a:cs typeface="Times New Roman" panose="02020603050405020304" charset="0"/>
                 <a:sym typeface="+mn-ea"/>
               </a:rPr>
-              <a:t>3. Thiết kế</a:t>
+              <a:t>2.  Nội dung</a:t>
+            </a:r>
+            <a:r>
+              <a:rPr lang="zh-CN" altLang="en-US" sz="2800" b="1" dirty="0" smtClean="0">
+                <a:solidFill>
+                  <a:srgbClr val="FF0000"/>
+                </a:solidFill>
+                <a:latin typeface="Times New Roman" panose="02020603050405020304" charset="0"/>
+                <a:ea typeface="Calibri" panose="020F0502020204030204" pitchFamily="34" charset="0"/>
+                <a:cs typeface="Times New Roman" panose="02020603050405020304" charset="0"/>
+                <a:sym typeface="+mn-ea"/>
+              </a:rPr>
+              <a:t>
+</a:t>
             </a:r>
             <a:endParaRPr lang="zh-CN" altLang="en-US" sz="2800" b="1" dirty="0" smtClean="0">
               <a:solidFill>
@@ -4634,7 +4684,7 @@
                 <a:latin typeface="Times New Roman" panose="02020603050405020304" charset="0"/>
                 <a:cs typeface="Times New Roman" panose="02020603050405020304" charset="0"/>
               </a:rPr>
-              <a:t>Màn hình form Nạp Tiền</a:t>
+              <a:t>Sơ đồ màn hình cho khách hàng</a:t>
             </a:r>
             <a:endParaRPr lang="en-US" sz="2800">
               <a:solidFill>
@@ -4648,7 +4698,7 @@
       </p:sp>
       <p:pic>
         <p:nvPicPr>
-          <p:cNvPr id="40" name="image36.png"/>
+          <p:cNvPr id="30" name="image28.png"/>
           <p:cNvPicPr preferRelativeResize="0"/>
           <p:nvPr/>
         </p:nvPicPr>
@@ -4661,8 +4711,8 @@
         </p:blipFill>
         <p:spPr>
           <a:xfrm>
-            <a:off x="2501265" y="1207770"/>
-            <a:ext cx="7190105" cy="3940810"/>
+            <a:off x="2647950" y="1203325"/>
+            <a:ext cx="7187565" cy="3718560"/>
           </a:xfrm>
           <a:prstGeom prst="rect">
             <a:avLst/>
@@ -4884,7 +4934,7 @@
                 <a:latin typeface="Times New Roman" panose="02020603050405020304" charset="0"/>
                 <a:cs typeface="Times New Roman" panose="02020603050405020304" charset="0"/>
               </a:rPr>
-              <a:t>Màn hình form phân bổ thẻ xe</a:t>
+              <a:t>Màn hình form Main_user</a:t>
             </a:r>
             <a:endParaRPr lang="en-US" sz="2800">
               <a:solidFill>
@@ -4898,7 +4948,7 @@
       </p:sp>
       <p:pic>
         <p:nvPicPr>
-          <p:cNvPr id="8" name="image13.png"/>
+          <p:cNvPr id="4" name="image17.png"/>
           <p:cNvPicPr preferRelativeResize="0"/>
           <p:nvPr/>
         </p:nvPicPr>
@@ -4911,8 +4961,8 @@
         </p:blipFill>
         <p:spPr>
           <a:xfrm>
-            <a:off x="2943225" y="1447800"/>
-            <a:ext cx="6910070" cy="3752215"/>
+            <a:off x="1788160" y="953135"/>
+            <a:ext cx="9278620" cy="4419600"/>
           </a:xfrm>
           <a:prstGeom prst="rect">
             <a:avLst/>
@@ -5134,7 +5184,7 @@
                 <a:latin typeface="Times New Roman" panose="02020603050405020304" charset="0"/>
                 <a:cs typeface="Times New Roman" panose="02020603050405020304" charset="0"/>
               </a:rPr>
-              <a:t>Màn hình form Quản lý chi nhánh</a:t>
+              <a:t> Màn hình form Main_KH</a:t>
             </a:r>
             <a:endParaRPr lang="en-US" sz="2800">
               <a:solidFill>
@@ -5148,7 +5198,7 @@
       </p:sp>
       <p:pic>
         <p:nvPicPr>
-          <p:cNvPr id="44" name="image42.png"/>
+          <p:cNvPr id="5" name="image21.png"/>
           <p:cNvPicPr preferRelativeResize="0"/>
           <p:nvPr/>
         </p:nvPicPr>
@@ -5161,8 +5211,8 @@
         </p:blipFill>
         <p:spPr>
           <a:xfrm>
-            <a:off x="2701290" y="1122045"/>
-            <a:ext cx="7080885" cy="2813685"/>
+            <a:off x="2798445" y="1274445"/>
+            <a:ext cx="6886575" cy="3784600"/>
           </a:xfrm>
           <a:prstGeom prst="rect">
             <a:avLst/>
@@ -5384,7 +5434,7 @@
                 <a:latin typeface="Times New Roman" panose="02020603050405020304" charset="0"/>
                 <a:cs typeface="Times New Roman" panose="02020603050405020304" charset="0"/>
               </a:rPr>
-              <a:t>Màn hình form quản lý thẻ xe</a:t>
+              <a:t>Màn hình form Nạp Tiền</a:t>
             </a:r>
             <a:endParaRPr lang="en-US" sz="2800">
               <a:solidFill>
@@ -5398,30 +5448,25 @@
       </p:sp>
       <p:pic>
         <p:nvPicPr>
-          <p:cNvPr id="29" name="Picture 1"/>
-          <p:cNvPicPr>
-            <a:picLocks noChangeAspect="1"/>
-          </p:cNvPicPr>
+          <p:cNvPr id="40" name="image36.png"/>
+          <p:cNvPicPr preferRelativeResize="0"/>
           <p:nvPr/>
         </p:nvPicPr>
         <p:blipFill>
           <a:blip r:embed="rId1"/>
+          <a:srcRect/>
           <a:stretch>
             <a:fillRect/>
           </a:stretch>
         </p:blipFill>
         <p:spPr>
           <a:xfrm>
-            <a:off x="3125470" y="1689735"/>
-            <a:ext cx="5941060" cy="3478530"/>
-          </a:xfrm>
-          <a:prstGeom prst="rect">
-            <a:avLst/>
-          </a:prstGeom>
-          <a:noFill/>
-          <a:ln>
-            <a:noFill/>
-          </a:ln>
+            <a:off x="2501265" y="1207770"/>
+            <a:ext cx="7190105" cy="3940810"/>
+          </a:xfrm>
+          <a:prstGeom prst="rect">
+            <a:avLst/>
+          </a:prstGeom>
         </p:spPr>
       </p:pic>
     </p:spTree>
@@ -5889,7 +5934,7 @@
                 <a:latin typeface="Times New Roman" panose="02020603050405020304" charset="0"/>
                 <a:cs typeface="Times New Roman" panose="02020603050405020304" charset="0"/>
               </a:rPr>
-              <a:t>Màn hình form quản lý nhân viên</a:t>
+              <a:t>Màn hình form Quản lý chi nhánh</a:t>
             </a:r>
             <a:endParaRPr lang="en-US" sz="2800">
               <a:solidFill>
@@ -5903,7 +5948,7 @@
       </p:sp>
       <p:pic>
         <p:nvPicPr>
-          <p:cNvPr id="18" name="image1.png"/>
+          <p:cNvPr id="44" name="image42.png"/>
           <p:cNvPicPr preferRelativeResize="0"/>
           <p:nvPr/>
         </p:nvPicPr>
@@ -5916,8 +5961,8 @@
         </p:blipFill>
         <p:spPr>
           <a:xfrm>
-            <a:off x="2213610" y="772160"/>
-            <a:ext cx="7570470" cy="4944745"/>
+            <a:off x="2701290" y="1122045"/>
+            <a:ext cx="7080885" cy="2813685"/>
           </a:xfrm>
           <a:prstGeom prst="rect">
             <a:avLst/>
@@ -6139,7 +6184,7 @@
                 <a:latin typeface="Times New Roman" panose="02020603050405020304" charset="0"/>
                 <a:cs typeface="Times New Roman" panose="02020603050405020304" charset="0"/>
               </a:rPr>
-              <a:t>Màn hình form quản lý xe</a:t>
+              <a:t>Màn hình form quản lý thẻ xe</a:t>
             </a:r>
             <a:endParaRPr lang="en-US" sz="2800">
               <a:solidFill>
@@ -6153,25 +6198,30 @@
       </p:sp>
       <p:pic>
         <p:nvPicPr>
-          <p:cNvPr id="24" name="image31.png"/>
-          <p:cNvPicPr preferRelativeResize="0"/>
+          <p:cNvPr id="29" name="Picture 1"/>
+          <p:cNvPicPr>
+            <a:picLocks noChangeAspect="1"/>
+          </p:cNvPicPr>
           <p:nvPr/>
         </p:nvPicPr>
         <p:blipFill>
           <a:blip r:embed="rId1"/>
-          <a:srcRect/>
           <a:stretch>
             <a:fillRect/>
           </a:stretch>
         </p:blipFill>
         <p:spPr>
           <a:xfrm>
-            <a:off x="2828925" y="1281430"/>
-            <a:ext cx="7045960" cy="3589020"/>
-          </a:xfrm>
-          <a:prstGeom prst="rect">
-            <a:avLst/>
-          </a:prstGeom>
+            <a:off x="3125470" y="1689735"/>
+            <a:ext cx="5941060" cy="3478530"/>
+          </a:xfrm>
+          <a:prstGeom prst="rect">
+            <a:avLst/>
+          </a:prstGeom>
+          <a:noFill/>
+          <a:ln>
+            <a:noFill/>
+          </a:ln>
         </p:spPr>
       </p:pic>
     </p:spTree>
@@ -6389,7 +6439,7 @@
                 <a:latin typeface="Times New Roman" panose="02020603050405020304" charset="0"/>
                 <a:cs typeface="Times New Roman" panose="02020603050405020304" charset="0"/>
               </a:rPr>
-              <a:t>Màn hình form Quản lý loại xe</a:t>
+              <a:t>Màn hình form phân bổ thẻ xe</a:t>
             </a:r>
             <a:endParaRPr lang="en-US" sz="2800">
               <a:solidFill>
@@ -6403,7 +6453,7 @@
       </p:sp>
       <p:pic>
         <p:nvPicPr>
-          <p:cNvPr id="26" name="image30.png"/>
+          <p:cNvPr id="8" name="image13.png"/>
           <p:cNvPicPr preferRelativeResize="0"/>
           <p:nvPr/>
         </p:nvPicPr>
@@ -6416,8 +6466,8 @@
         </p:blipFill>
         <p:spPr>
           <a:xfrm>
-            <a:off x="2872740" y="1010285"/>
-            <a:ext cx="6877685" cy="4462145"/>
+            <a:off x="2943225" y="1447800"/>
+            <a:ext cx="6910070" cy="3752215"/>
           </a:xfrm>
           <a:prstGeom prst="rect">
             <a:avLst/>
@@ -8410,7 +8460,7 @@
                 <a:latin typeface="Times New Roman" panose="02020603050405020304" charset="0"/>
                 <a:cs typeface="Times New Roman" panose="02020603050405020304" charset="0"/>
               </a:rPr>
-              <a:t>Màn hình form Đăng ký</a:t>
+              <a:t>Màn hình form quản lý nhân viên</a:t>
             </a:r>
             <a:endParaRPr lang="en-US" sz="2800">
               <a:solidFill>
@@ -8424,7 +8474,7 @@
       </p:sp>
       <p:pic>
         <p:nvPicPr>
-          <p:cNvPr id="32" name="image43.png"/>
+          <p:cNvPr id="18" name="image1.png"/>
           <p:cNvPicPr preferRelativeResize="0"/>
           <p:nvPr/>
         </p:nvPicPr>
@@ -8437,8 +8487,8 @@
         </p:blipFill>
         <p:spPr>
           <a:xfrm>
-            <a:off x="3216275" y="1680845"/>
-            <a:ext cx="5759450" cy="3507105"/>
+            <a:off x="2213610" y="772160"/>
+            <a:ext cx="7570470" cy="4944745"/>
           </a:xfrm>
           <a:prstGeom prst="rect">
             <a:avLst/>
@@ -8660,7 +8710,7 @@
                 <a:latin typeface="Times New Roman" panose="02020603050405020304" charset="0"/>
                 <a:cs typeface="Times New Roman" panose="02020603050405020304" charset="0"/>
               </a:rPr>
-              <a:t>Màn hình form Đăng nhập</a:t>
+              <a:t>Màn hình form quản lý xe</a:t>
             </a:r>
             <a:endParaRPr lang="en-US" sz="2800">
               <a:solidFill>
@@ -8674,7 +8724,7 @@
       </p:sp>
       <p:pic>
         <p:nvPicPr>
-          <p:cNvPr id="35" name="image33.png"/>
+          <p:cNvPr id="24" name="image31.png"/>
           <p:cNvPicPr preferRelativeResize="0"/>
           <p:nvPr/>
         </p:nvPicPr>
@@ -8687,8 +8737,8 @@
         </p:blipFill>
         <p:spPr>
           <a:xfrm>
-            <a:off x="2600960" y="1243330"/>
-            <a:ext cx="6374765" cy="3893820"/>
+            <a:off x="2828925" y="1281430"/>
+            <a:ext cx="7045960" cy="3589020"/>
           </a:xfrm>
           <a:prstGeom prst="rect">
             <a:avLst/>
@@ -8924,7 +8974,7 @@
       </p:sp>
       <p:pic>
         <p:nvPicPr>
-          <p:cNvPr id="21" name="image22.png"/>
+          <p:cNvPr id="26" name="image30.png"/>
           <p:cNvPicPr preferRelativeResize="0"/>
           <p:nvPr/>
         </p:nvPicPr>
@@ -8937,8 +8987,8 @@
         </p:blipFill>
         <p:spPr>
           <a:xfrm>
-            <a:off x="2783840" y="1215390"/>
-            <a:ext cx="6624955" cy="4017010"/>
+            <a:off x="2872740" y="1010285"/>
+            <a:ext cx="6877685" cy="4462145"/>
           </a:xfrm>
           <a:prstGeom prst="rect">
             <a:avLst/>
@@ -9160,7 +9210,7 @@
                 <a:latin typeface="Times New Roman" panose="02020603050405020304" charset="0"/>
                 <a:cs typeface="Times New Roman" panose="02020603050405020304" charset="0"/>
               </a:rPr>
-              <a:t>Màn hình form Hoàn trả thẻ</a:t>
+              <a:t>Màn hình form Đăng ký</a:t>
             </a:r>
             <a:endParaRPr lang="en-US" sz="2800">
               <a:solidFill>
@@ -9174,7 +9224,7 @@
       </p:sp>
       <p:pic>
         <p:nvPicPr>
-          <p:cNvPr id="34" name="image41.png"/>
+          <p:cNvPr id="32" name="image43.png"/>
           <p:cNvPicPr preferRelativeResize="0"/>
           <p:nvPr/>
         </p:nvPicPr>
@@ -9187,8 +9237,8 @@
         </p:blipFill>
         <p:spPr>
           <a:xfrm>
-            <a:off x="3226435" y="1385570"/>
-            <a:ext cx="6188710" cy="3631565"/>
+            <a:off x="3216275" y="1680845"/>
+            <a:ext cx="5759450" cy="3507105"/>
           </a:xfrm>
           <a:prstGeom prst="rect">
             <a:avLst/>
@@ -9388,7 +9438,7 @@
         </p:nvSpPr>
         <p:spPr>
           <a:xfrm>
-            <a:off x="612775" y="3352165"/>
+            <a:off x="464820" y="5876290"/>
             <a:ext cx="10602595" cy="588645"/>
           </a:xfrm>
           <a:prstGeom prst="rect">
@@ -9410,7 +9460,7 @@
                 <a:latin typeface="Times New Roman" panose="02020603050405020304" charset="0"/>
                 <a:cs typeface="Times New Roman" panose="02020603050405020304" charset="0"/>
               </a:rPr>
-              <a:t>Giao diện máy mượn xe khi khóa và mở</a:t>
+              <a:t>Màn hình form Đăng nhập</a:t>
             </a:r>
             <a:endParaRPr lang="en-US" sz="2800">
               <a:solidFill>
@@ -9424,130 +9474,27 @@
       </p:sp>
       <p:pic>
         <p:nvPicPr>
-          <p:cNvPr id="4" name="Picture 3"/>
-          <p:cNvPicPr>
-            <a:picLocks noChangeAspect="1"/>
-          </p:cNvPicPr>
+          <p:cNvPr id="35" name="image33.png"/>
+          <p:cNvPicPr preferRelativeResize="0"/>
           <p:nvPr/>
         </p:nvPicPr>
         <p:blipFill>
           <a:blip r:embed="rId1"/>
+          <a:srcRect/>
           <a:stretch>
             <a:fillRect/>
           </a:stretch>
         </p:blipFill>
         <p:spPr>
           <a:xfrm>
-            <a:off x="2947035" y="695325"/>
-            <a:ext cx="5934075" cy="2266950"/>
+            <a:off x="2600960" y="1243330"/>
+            <a:ext cx="6374765" cy="3893820"/>
           </a:xfrm>
           <a:prstGeom prst="rect">
             <a:avLst/>
           </a:prstGeom>
         </p:spPr>
       </p:pic>
-      <p:sp>
-        <p:nvSpPr>
-          <p:cNvPr id="5" name="Text Box 4"/>
-          <p:cNvSpPr txBox="1"/>
-          <p:nvPr/>
-        </p:nvSpPr>
-        <p:spPr>
-          <a:xfrm>
-            <a:off x="739775" y="4104640"/>
-            <a:ext cx="10602595" cy="588645"/>
-          </a:xfrm>
-          <a:prstGeom prst="rect">
-            <a:avLst/>
-          </a:prstGeom>
-          <a:noFill/>
-        </p:spPr>
-        <p:txBody>
-          <a:bodyPr wrap="square" rtlCol="0">
-            <a:noAutofit/>
-          </a:bodyPr>
-          <a:p>
-            <a:pPr indent="457200" algn="l"/>
-            <a:r>
-              <a:rPr lang="en-US" sz="2800">
-                <a:solidFill>
-                  <a:schemeClr val="tx1"/>
-                </a:solidFill>
-                <a:latin typeface="Times New Roman" panose="02020603050405020304" charset="0"/>
-                <a:cs typeface="Times New Roman" panose="02020603050405020304" charset="0"/>
-              </a:rPr>
-              <a:t>Trường hợp mượn xe</a:t>
-            </a:r>
-            <a:endParaRPr lang="en-US" sz="2800">
-              <a:solidFill>
-                <a:schemeClr val="tx1"/>
-              </a:solidFill>
-              <a:latin typeface="Times New Roman" panose="02020603050405020304" charset="0"/>
-              <a:cs typeface="Times New Roman" panose="02020603050405020304" charset="0"/>
-            </a:endParaRPr>
-          </a:p>
-          <a:p>
-            <a:pPr indent="457200" algn="l"/>
-            <a:r>
-              <a:rPr lang="en-US" sz="2800">
-                <a:solidFill>
-                  <a:schemeClr val="tx1"/>
-                </a:solidFill>
-                <a:latin typeface="Times New Roman" panose="02020603050405020304" charset="0"/>
-                <a:cs typeface="Times New Roman" panose="02020603050405020304" charset="0"/>
-              </a:rPr>
-              <a:t>Khi người dung đưa thẻ chưa vào thiết bị mượn sẽ ở trạng thái khóa</a:t>
-            </a:r>
-            <a:endParaRPr lang="en-US" sz="2800">
-              <a:solidFill>
-                <a:schemeClr val="tx1"/>
-              </a:solidFill>
-              <a:latin typeface="Times New Roman" panose="02020603050405020304" charset="0"/>
-              <a:cs typeface="Times New Roman" panose="02020603050405020304" charset="0"/>
-            </a:endParaRPr>
-          </a:p>
-          <a:p>
-            <a:pPr indent="457200" algn="l"/>
-            <a:r>
-              <a:rPr lang="en-US" sz="2800">
-                <a:solidFill>
-                  <a:schemeClr val="tx1"/>
-                </a:solidFill>
-                <a:latin typeface="Times New Roman" panose="02020603050405020304" charset="0"/>
-                <a:cs typeface="Times New Roman" panose="02020603050405020304" charset="0"/>
-              </a:rPr>
-              <a:t>Khi người dung đưa thẻ vào thiết bị mượn mà số dư của thẻ trả trước nhỏ hơn 100.000 sẽ ở trạng thái mở</a:t>
-            </a:r>
-            <a:endParaRPr lang="en-US" sz="2800">
-              <a:solidFill>
-                <a:schemeClr val="tx1"/>
-              </a:solidFill>
-              <a:latin typeface="Times New Roman" panose="02020603050405020304" charset="0"/>
-              <a:cs typeface="Times New Roman" panose="02020603050405020304" charset="0"/>
-            </a:endParaRPr>
-          </a:p>
-          <a:p>
-            <a:pPr indent="457200" algn="l"/>
-            <a:r>
-              <a:rPr lang="en-US" sz="2800">
-                <a:solidFill>
-                  <a:schemeClr val="tx1"/>
-                </a:solidFill>
-                <a:latin typeface="Times New Roman" panose="02020603050405020304" charset="0"/>
-                <a:cs typeface="Times New Roman" panose="02020603050405020304" charset="0"/>
-              </a:rPr>
-              <a:t>Khi người dùng đưa thẻ vào thiết bị mượn mà số dư của thẻ trả trước lớn hơn 100.000 sẽ ở trạng thái mở</a:t>
-            </a:r>
-            <a:endParaRPr lang="en-US" sz="2800">
-              <a:solidFill>
-                <a:schemeClr val="tx1"/>
-              </a:solidFill>
-              <a:latin typeface="Times New Roman" panose="02020603050405020304" charset="0"/>
-              <a:cs typeface="Times New Roman" panose="02020603050405020304" charset="0"/>
-            </a:endParaRPr>
-          </a:p>
-        </p:txBody>
-      </p:sp>
     </p:spTree>
   </p:cSld>
   <p:clrMapOvr>
@@ -9741,7 +9688,7 @@
         </p:nvSpPr>
         <p:spPr>
           <a:xfrm>
-            <a:off x="612775" y="3352165"/>
+            <a:off x="464820" y="5876290"/>
             <a:ext cx="10602595" cy="588645"/>
           </a:xfrm>
           <a:prstGeom prst="rect">
@@ -9763,7 +9710,7 @@
                 <a:latin typeface="Times New Roman" panose="02020603050405020304" charset="0"/>
                 <a:cs typeface="Times New Roman" panose="02020603050405020304" charset="0"/>
               </a:rPr>
-              <a:t>Giao diện máy mượn xe khi khóa và mở</a:t>
+              <a:t>Màn hình form Quản lý loại xe</a:t>
             </a:r>
             <a:endParaRPr lang="en-US" sz="2800">
               <a:solidFill>
@@ -9777,90 +9724,27 @@
       </p:sp>
       <p:pic>
         <p:nvPicPr>
-          <p:cNvPr id="4" name="Picture 3"/>
-          <p:cNvPicPr>
-            <a:picLocks noChangeAspect="1"/>
-          </p:cNvPicPr>
+          <p:cNvPr id="21" name="image22.png"/>
+          <p:cNvPicPr preferRelativeResize="0"/>
           <p:nvPr/>
         </p:nvPicPr>
         <p:blipFill>
           <a:blip r:embed="rId1"/>
+          <a:srcRect/>
           <a:stretch>
             <a:fillRect/>
           </a:stretch>
         </p:blipFill>
         <p:spPr>
           <a:xfrm>
-            <a:off x="2947035" y="695325"/>
-            <a:ext cx="5934075" cy="2266950"/>
+            <a:off x="2783840" y="1215390"/>
+            <a:ext cx="6624955" cy="4017010"/>
           </a:xfrm>
           <a:prstGeom prst="rect">
             <a:avLst/>
           </a:prstGeom>
         </p:spPr>
       </p:pic>
-      <p:sp>
-        <p:nvSpPr>
-          <p:cNvPr id="5" name="Text Box 4"/>
-          <p:cNvSpPr txBox="1"/>
-          <p:nvPr/>
-        </p:nvSpPr>
-        <p:spPr>
-          <a:xfrm>
-            <a:off x="739775" y="4104640"/>
-            <a:ext cx="10602595" cy="588645"/>
-          </a:xfrm>
-          <a:prstGeom prst="rect">
-            <a:avLst/>
-          </a:prstGeom>
-          <a:noFill/>
-        </p:spPr>
-        <p:txBody>
-          <a:bodyPr wrap="square" rtlCol="0">
-            <a:noAutofit/>
-          </a:bodyPr>
-          <a:p>
-            <a:pPr indent="457200" algn="l"/>
-            <a:r>
-              <a:rPr lang="en-US" sz="2800">
-                <a:solidFill>
-                  <a:schemeClr val="tx1"/>
-                </a:solidFill>
-                <a:latin typeface="Times New Roman" panose="02020603050405020304" charset="0"/>
-                <a:cs typeface="Times New Roman" panose="02020603050405020304" charset="0"/>
-              </a:rPr>
-              <a:t>Trường hợp trả xe</a:t>
-            </a:r>
-            <a:endParaRPr lang="en-US" sz="2800">
-              <a:solidFill>
-                <a:schemeClr val="tx1"/>
-              </a:solidFill>
-              <a:latin typeface="Times New Roman" panose="02020603050405020304" charset="0"/>
-              <a:cs typeface="Times New Roman" panose="02020603050405020304" charset="0"/>
-            </a:endParaRPr>
-          </a:p>
-          <a:p>
-            <a:pPr indent="457200" algn="l"/>
-            <a:r>
-              <a:rPr lang="en-US" sz="2800">
-                <a:solidFill>
-                  <a:schemeClr val="tx1"/>
-                </a:solidFill>
-                <a:latin typeface="Times New Roman" panose="02020603050405020304" charset="0"/>
-                <a:cs typeface="Times New Roman" panose="02020603050405020304" charset="0"/>
-              </a:rPr>
-              <a:t>Khi người dùng đặt xe vào máy hệ thông sẽ quét xe có đúng với giao dịch mượn xe không. Và tự trừ tiền vào tài khoản theo đơn giá tại thời điểm mượn theo số giờ mượn * đơn giá.</a:t>
-            </a:r>
-            <a:endParaRPr lang="en-US" sz="2800">
-              <a:solidFill>
-                <a:schemeClr val="tx1"/>
-              </a:solidFill>
-              <a:latin typeface="Times New Roman" panose="02020603050405020304" charset="0"/>
-              <a:cs typeface="Times New Roman" panose="02020603050405020304" charset="0"/>
-            </a:endParaRPr>
-          </a:p>
-        </p:txBody>
-      </p:sp>
     </p:spTree>
   </p:cSld>
   <p:clrMapOvr>
@@ -9888,6 +9772,922 @@
       </p:grpSpPr>
       <p:sp>
         <p:nvSpPr>
+          <p:cNvPr id="12" name="矩形 11"/>
+          <p:cNvSpPr/>
+          <p:nvPr/>
+        </p:nvSpPr>
+        <p:spPr>
+          <a:xfrm>
+            <a:off x="0" y="0"/>
+            <a:ext cx="12192000" cy="6858000"/>
+          </a:xfrm>
+          <a:prstGeom prst="rect">
+            <a:avLst/>
+          </a:prstGeom>
+          <a:solidFill>
+            <a:srgbClr val="B0CFF8"/>
+          </a:solidFill>
+          <a:ln>
+            <a:noFill/>
+          </a:ln>
+        </p:spPr>
+        <p:style>
+          <a:lnRef idx="2">
+            <a:schemeClr val="accent1">
+              <a:shade val="50000"/>
+            </a:schemeClr>
+          </a:lnRef>
+          <a:fillRef idx="1">
+            <a:schemeClr val="accent1"/>
+          </a:fillRef>
+          <a:effectRef idx="0">
+            <a:schemeClr val="accent1"/>
+          </a:effectRef>
+          <a:fontRef idx="minor">
+            <a:schemeClr val="lt1"/>
+          </a:fontRef>
+        </p:style>
+        <p:txBody>
+          <a:bodyPr rtlCol="0" anchor="ctr"/>
+          <a:lstStyle/>
+          <a:p>
+            <a:pPr algn="ctr"/>
+            <a:endParaRPr lang="zh-CN" altLang="en-US">
+              <a:ea typeface="Calibri" panose="020F0502020204030204" pitchFamily="34" charset="0"/>
+              <a:cs typeface="Calibri" panose="020F0502020204030204" pitchFamily="34" charset="0"/>
+            </a:endParaRPr>
+          </a:p>
+        </p:txBody>
+      </p:sp>
+      <p:sp>
+        <p:nvSpPr>
+          <p:cNvPr id="15" name="文本框 67"/>
+          <p:cNvSpPr>
+            <a:spLocks noChangeArrowheads="1"/>
+          </p:cNvSpPr>
+          <p:nvPr/>
+        </p:nvSpPr>
+        <p:spPr bwMode="auto">
+          <a:xfrm>
+            <a:off x="1787875" y="2219305"/>
+            <a:ext cx="309880" cy="1568450"/>
+          </a:xfrm>
+          <a:prstGeom prst="rect">
+            <a:avLst/>
+          </a:prstGeom>
+          <a:noFill/>
+          <a:ln w="9525" cap="flat" cmpd="sng">
+            <a:noFill/>
+            <a:bevel/>
+          </a:ln>
+          <a:effectLst/>
+          <a:extLst>
+            <a:ext uri="{909E8E84-426E-40DD-AFC4-6F175D3DCCD1}">
+              <a14:hiddenFill xmlns:a14="http://schemas.microsoft.com/office/drawing/2010/main">
+                <a:solidFill>
+                  <a:srgbClr val="FFFFFF"/>
+                </a:solidFill>
+              </a14:hiddenFill>
+            </a:ext>
+            <a:ext uri="{AF507438-7753-43E0-B8FC-AC1667EBCBE1}">
+              <a14:hiddenEffects xmlns:a14="http://schemas.microsoft.com/office/drawing/2010/main">
+                <a:effectLst>
+                  <a:outerShdw dist="35921" dir="2700000" algn="ctr" rotWithShape="0">
+                    <a:srgbClr val="808080"/>
+                  </a:outerShdw>
+                </a:effectLst>
+              </a14:hiddenEffects>
+            </a:ext>
+          </a:extLst>
+        </p:spPr>
+        <p:txBody>
+          <a:bodyPr wrap="none">
+            <a:spAutoFit/>
+          </a:bodyPr>
+          <a:lstStyle/>
+          <a:p>
+            <a:endParaRPr lang="zh-CN" altLang="en-US" sz="9600" dirty="0">
+              <a:solidFill>
+                <a:srgbClr val="F3D34B"/>
+              </a:solidFill>
+              <a:effectLst>
+                <a:outerShdw blurRad="38100" dist="38100" dir="2700000" algn="tl">
+                  <a:srgbClr val="000000">
+                    <a:alpha val="43137"/>
+                  </a:srgbClr>
+                </a:outerShdw>
+              </a:effectLst>
+              <a:latin typeface="Calibri" panose="020F0502020204030204" pitchFamily="34" charset="0"/>
+              <a:ea typeface="Calibri" panose="020F0502020204030204" pitchFamily="34" charset="0"/>
+              <a:cs typeface="Calibri" panose="020F0502020204030204" pitchFamily="34" charset="0"/>
+              <a:sym typeface="Arial" panose="020B0604020202020204" pitchFamily="34" charset="0"/>
+            </a:endParaRPr>
+          </a:p>
+        </p:txBody>
+      </p:sp>
+      <p:sp>
+        <p:nvSpPr>
+          <p:cNvPr id="2" name="Text Box 1"/>
+          <p:cNvSpPr txBox="1"/>
+          <p:nvPr/>
+        </p:nvSpPr>
+        <p:spPr>
+          <a:xfrm>
+            <a:off x="940435" y="250190"/>
+            <a:ext cx="10602595" cy="521970"/>
+          </a:xfrm>
+          <a:prstGeom prst="rect">
+            <a:avLst/>
+          </a:prstGeom>
+          <a:noFill/>
+        </p:spPr>
+        <p:txBody>
+          <a:bodyPr wrap="square" rtlCol="0">
+            <a:spAutoFit/>
+          </a:bodyPr>
+          <a:p>
+            <a:pPr algn="l"/>
+            <a:r>
+              <a:rPr lang="en-US" sz="2800" b="1">
+                <a:solidFill>
+                  <a:srgbClr val="FF0000"/>
+                </a:solidFill>
+                <a:latin typeface="Times New Roman" panose="02020603050405020304" charset="0"/>
+                <a:cs typeface="Times New Roman" panose="02020603050405020304" charset="0"/>
+                <a:sym typeface="+mn-ea"/>
+              </a:rPr>
+              <a:t>3. Thiết kế</a:t>
+            </a:r>
+            <a:endParaRPr lang="zh-CN" altLang="en-US" sz="2800" b="1" dirty="0" smtClean="0">
+              <a:solidFill>
+                <a:srgbClr val="FF0000"/>
+              </a:solidFill>
+              <a:latin typeface="Times New Roman" panose="02020603050405020304" charset="0"/>
+              <a:ea typeface="Calibri" panose="020F0502020204030204" pitchFamily="34" charset="0"/>
+              <a:cs typeface="Times New Roman" panose="02020603050405020304" charset="0"/>
+              <a:sym typeface="+mn-ea"/>
+            </a:endParaRPr>
+          </a:p>
+        </p:txBody>
+      </p:sp>
+      <p:sp>
+        <p:nvSpPr>
+          <p:cNvPr id="3" name="Text Box 2"/>
+          <p:cNvSpPr txBox="1"/>
+          <p:nvPr/>
+        </p:nvSpPr>
+        <p:spPr>
+          <a:xfrm>
+            <a:off x="464820" y="5876290"/>
+            <a:ext cx="10602595" cy="588645"/>
+          </a:xfrm>
+          <a:prstGeom prst="rect">
+            <a:avLst/>
+          </a:prstGeom>
+          <a:noFill/>
+        </p:spPr>
+        <p:txBody>
+          <a:bodyPr wrap="square" rtlCol="0">
+            <a:noAutofit/>
+          </a:bodyPr>
+          <a:p>
+            <a:pPr indent="457200" algn="ctr"/>
+            <a:r>
+              <a:rPr lang="en-US" sz="2800">
+                <a:solidFill>
+                  <a:schemeClr val="tx1"/>
+                </a:solidFill>
+                <a:latin typeface="Times New Roman" panose="02020603050405020304" charset="0"/>
+                <a:cs typeface="Times New Roman" panose="02020603050405020304" charset="0"/>
+              </a:rPr>
+              <a:t>Màn hình form Hoàn trả thẻ</a:t>
+            </a:r>
+            <a:endParaRPr lang="en-US" sz="2800">
+              <a:solidFill>
+                <a:schemeClr val="tx1"/>
+              </a:solidFill>
+              <a:latin typeface="Times New Roman" panose="02020603050405020304" charset="0"/>
+              <a:cs typeface="Times New Roman" panose="02020603050405020304" charset="0"/>
+            </a:endParaRPr>
+          </a:p>
+        </p:txBody>
+      </p:sp>
+      <p:pic>
+        <p:nvPicPr>
+          <p:cNvPr id="34" name="image41.png"/>
+          <p:cNvPicPr preferRelativeResize="0"/>
+          <p:nvPr/>
+        </p:nvPicPr>
+        <p:blipFill>
+          <a:blip r:embed="rId1"/>
+          <a:srcRect/>
+          <a:stretch>
+            <a:fillRect/>
+          </a:stretch>
+        </p:blipFill>
+        <p:spPr>
+          <a:xfrm>
+            <a:off x="3226435" y="1385570"/>
+            <a:ext cx="6188710" cy="3631565"/>
+          </a:xfrm>
+          <a:prstGeom prst="rect">
+            <a:avLst/>
+          </a:prstGeom>
+        </p:spPr>
+      </p:pic>
+    </p:spTree>
+  </p:cSld>
+  <p:clrMapOvr>
+    <a:masterClrMapping/>
+  </p:clrMapOvr>
+</p:sld>
+</file>
+
+<file path=ppt/slides/slide27.xml><?xml version="1.0" encoding="utf-8"?>
+<p:sld xmlns:a="http://schemas.openxmlformats.org/drawingml/2006/main" xmlns:r="http://schemas.openxmlformats.org/officeDocument/2006/relationships" xmlns:p="http://schemas.openxmlformats.org/presentationml/2006/main">
+  <p:cSld>
+    <p:spTree>
+      <p:nvGrpSpPr>
+        <p:cNvPr id="1" name=""/>
+        <p:cNvGrpSpPr/>
+        <p:nvPr/>
+      </p:nvGrpSpPr>
+      <p:grpSpPr>
+        <a:xfrm>
+          <a:off x="0" y="0"/>
+          <a:ext cx="0" cy="0"/>
+          <a:chOff x="0" y="0"/>
+          <a:chExt cx="0" cy="0"/>
+        </a:xfrm>
+      </p:grpSpPr>
+      <p:sp>
+        <p:nvSpPr>
+          <p:cNvPr id="12" name="矩形 11"/>
+          <p:cNvSpPr/>
+          <p:nvPr/>
+        </p:nvSpPr>
+        <p:spPr>
+          <a:xfrm>
+            <a:off x="0" y="0"/>
+            <a:ext cx="12192000" cy="6858000"/>
+          </a:xfrm>
+          <a:prstGeom prst="rect">
+            <a:avLst/>
+          </a:prstGeom>
+          <a:solidFill>
+            <a:srgbClr val="B0CFF8"/>
+          </a:solidFill>
+          <a:ln>
+            <a:noFill/>
+          </a:ln>
+        </p:spPr>
+        <p:style>
+          <a:lnRef idx="2">
+            <a:schemeClr val="accent1">
+              <a:shade val="50000"/>
+            </a:schemeClr>
+          </a:lnRef>
+          <a:fillRef idx="1">
+            <a:schemeClr val="accent1"/>
+          </a:fillRef>
+          <a:effectRef idx="0">
+            <a:schemeClr val="accent1"/>
+          </a:effectRef>
+          <a:fontRef idx="minor">
+            <a:schemeClr val="lt1"/>
+          </a:fontRef>
+        </p:style>
+        <p:txBody>
+          <a:bodyPr rtlCol="0" anchor="ctr"/>
+          <a:lstStyle/>
+          <a:p>
+            <a:pPr algn="ctr"/>
+            <a:endParaRPr lang="zh-CN" altLang="en-US">
+              <a:ea typeface="Calibri" panose="020F0502020204030204" pitchFamily="34" charset="0"/>
+              <a:cs typeface="Calibri" panose="020F0502020204030204" pitchFamily="34" charset="0"/>
+            </a:endParaRPr>
+          </a:p>
+        </p:txBody>
+      </p:sp>
+      <p:sp>
+        <p:nvSpPr>
+          <p:cNvPr id="15" name="文本框 67"/>
+          <p:cNvSpPr>
+            <a:spLocks noChangeArrowheads="1"/>
+          </p:cNvSpPr>
+          <p:nvPr/>
+        </p:nvSpPr>
+        <p:spPr bwMode="auto">
+          <a:xfrm>
+            <a:off x="1787875" y="2219305"/>
+            <a:ext cx="309880" cy="1568450"/>
+          </a:xfrm>
+          <a:prstGeom prst="rect">
+            <a:avLst/>
+          </a:prstGeom>
+          <a:noFill/>
+          <a:ln w="9525" cap="flat" cmpd="sng">
+            <a:noFill/>
+            <a:bevel/>
+          </a:ln>
+          <a:effectLst/>
+          <a:extLst>
+            <a:ext uri="{909E8E84-426E-40DD-AFC4-6F175D3DCCD1}">
+              <a14:hiddenFill xmlns:a14="http://schemas.microsoft.com/office/drawing/2010/main">
+                <a:solidFill>
+                  <a:srgbClr val="FFFFFF"/>
+                </a:solidFill>
+              </a14:hiddenFill>
+            </a:ext>
+            <a:ext uri="{AF507438-7753-43E0-B8FC-AC1667EBCBE1}">
+              <a14:hiddenEffects xmlns:a14="http://schemas.microsoft.com/office/drawing/2010/main">
+                <a:effectLst>
+                  <a:outerShdw dist="35921" dir="2700000" algn="ctr" rotWithShape="0">
+                    <a:srgbClr val="808080"/>
+                  </a:outerShdw>
+                </a:effectLst>
+              </a14:hiddenEffects>
+            </a:ext>
+          </a:extLst>
+        </p:spPr>
+        <p:txBody>
+          <a:bodyPr wrap="none">
+            <a:spAutoFit/>
+          </a:bodyPr>
+          <a:lstStyle/>
+          <a:p>
+            <a:endParaRPr lang="zh-CN" altLang="en-US" sz="9600" dirty="0">
+              <a:solidFill>
+                <a:srgbClr val="F3D34B"/>
+              </a:solidFill>
+              <a:effectLst>
+                <a:outerShdw blurRad="38100" dist="38100" dir="2700000" algn="tl">
+                  <a:srgbClr val="000000">
+                    <a:alpha val="43137"/>
+                  </a:srgbClr>
+                </a:outerShdw>
+              </a:effectLst>
+              <a:latin typeface="Calibri" panose="020F0502020204030204" pitchFamily="34" charset="0"/>
+              <a:ea typeface="Calibri" panose="020F0502020204030204" pitchFamily="34" charset="0"/>
+              <a:cs typeface="Calibri" panose="020F0502020204030204" pitchFamily="34" charset="0"/>
+              <a:sym typeface="Arial" panose="020B0604020202020204" pitchFamily="34" charset="0"/>
+            </a:endParaRPr>
+          </a:p>
+        </p:txBody>
+      </p:sp>
+      <p:sp>
+        <p:nvSpPr>
+          <p:cNvPr id="2" name="Text Box 1"/>
+          <p:cNvSpPr txBox="1"/>
+          <p:nvPr/>
+        </p:nvSpPr>
+        <p:spPr>
+          <a:xfrm>
+            <a:off x="940435" y="250190"/>
+            <a:ext cx="10602595" cy="521970"/>
+          </a:xfrm>
+          <a:prstGeom prst="rect">
+            <a:avLst/>
+          </a:prstGeom>
+          <a:noFill/>
+        </p:spPr>
+        <p:txBody>
+          <a:bodyPr wrap="square" rtlCol="0">
+            <a:spAutoFit/>
+          </a:bodyPr>
+          <a:p>
+            <a:pPr algn="l"/>
+            <a:r>
+              <a:rPr lang="en-US" sz="2800" b="1">
+                <a:solidFill>
+                  <a:srgbClr val="FF0000"/>
+                </a:solidFill>
+                <a:latin typeface="Times New Roman" panose="02020603050405020304" charset="0"/>
+                <a:cs typeface="Times New Roman" panose="02020603050405020304" charset="0"/>
+                <a:sym typeface="+mn-ea"/>
+              </a:rPr>
+              <a:t>3. Thiết kế</a:t>
+            </a:r>
+            <a:endParaRPr lang="zh-CN" altLang="en-US" sz="2800" b="1" dirty="0" smtClean="0">
+              <a:solidFill>
+                <a:srgbClr val="FF0000"/>
+              </a:solidFill>
+              <a:latin typeface="Times New Roman" panose="02020603050405020304" charset="0"/>
+              <a:ea typeface="Calibri" panose="020F0502020204030204" pitchFamily="34" charset="0"/>
+              <a:cs typeface="Times New Roman" panose="02020603050405020304" charset="0"/>
+              <a:sym typeface="+mn-ea"/>
+            </a:endParaRPr>
+          </a:p>
+        </p:txBody>
+      </p:sp>
+      <p:sp>
+        <p:nvSpPr>
+          <p:cNvPr id="3" name="Text Box 2"/>
+          <p:cNvSpPr txBox="1"/>
+          <p:nvPr/>
+        </p:nvSpPr>
+        <p:spPr>
+          <a:xfrm>
+            <a:off x="612775" y="3352165"/>
+            <a:ext cx="10602595" cy="588645"/>
+          </a:xfrm>
+          <a:prstGeom prst="rect">
+            <a:avLst/>
+          </a:prstGeom>
+          <a:noFill/>
+        </p:spPr>
+        <p:txBody>
+          <a:bodyPr wrap="square" rtlCol="0">
+            <a:noAutofit/>
+          </a:bodyPr>
+          <a:p>
+            <a:pPr indent="457200" algn="ctr"/>
+            <a:r>
+              <a:rPr lang="en-US" sz="2800">
+                <a:solidFill>
+                  <a:schemeClr val="tx1"/>
+                </a:solidFill>
+                <a:latin typeface="Times New Roman" panose="02020603050405020304" charset="0"/>
+                <a:cs typeface="Times New Roman" panose="02020603050405020304" charset="0"/>
+              </a:rPr>
+              <a:t>Giao diện máy mượn xe khi khóa và mở</a:t>
+            </a:r>
+            <a:endParaRPr lang="en-US" sz="2800">
+              <a:solidFill>
+                <a:schemeClr val="tx1"/>
+              </a:solidFill>
+              <a:latin typeface="Times New Roman" panose="02020603050405020304" charset="0"/>
+              <a:cs typeface="Times New Roman" panose="02020603050405020304" charset="0"/>
+            </a:endParaRPr>
+          </a:p>
+        </p:txBody>
+      </p:sp>
+      <p:pic>
+        <p:nvPicPr>
+          <p:cNvPr id="4" name="Picture 3"/>
+          <p:cNvPicPr>
+            <a:picLocks noChangeAspect="1"/>
+          </p:cNvPicPr>
+          <p:nvPr/>
+        </p:nvPicPr>
+        <p:blipFill>
+          <a:blip r:embed="rId1"/>
+          <a:stretch>
+            <a:fillRect/>
+          </a:stretch>
+        </p:blipFill>
+        <p:spPr>
+          <a:xfrm>
+            <a:off x="2947035" y="695325"/>
+            <a:ext cx="5934075" cy="2266950"/>
+          </a:xfrm>
+          <a:prstGeom prst="rect">
+            <a:avLst/>
+          </a:prstGeom>
+        </p:spPr>
+      </p:pic>
+      <p:sp>
+        <p:nvSpPr>
+          <p:cNvPr id="5" name="Text Box 4"/>
+          <p:cNvSpPr txBox="1"/>
+          <p:nvPr/>
+        </p:nvSpPr>
+        <p:spPr>
+          <a:xfrm>
+            <a:off x="739775" y="4104640"/>
+            <a:ext cx="10602595" cy="588645"/>
+          </a:xfrm>
+          <a:prstGeom prst="rect">
+            <a:avLst/>
+          </a:prstGeom>
+          <a:noFill/>
+        </p:spPr>
+        <p:txBody>
+          <a:bodyPr wrap="square" rtlCol="0">
+            <a:noAutofit/>
+          </a:bodyPr>
+          <a:p>
+            <a:pPr indent="457200" algn="l"/>
+            <a:r>
+              <a:rPr lang="en-US" sz="2800">
+                <a:solidFill>
+                  <a:schemeClr val="tx1"/>
+                </a:solidFill>
+                <a:latin typeface="Times New Roman" panose="02020603050405020304" charset="0"/>
+                <a:cs typeface="Times New Roman" panose="02020603050405020304" charset="0"/>
+              </a:rPr>
+              <a:t>Trường hợp mượn xe</a:t>
+            </a:r>
+            <a:endParaRPr lang="en-US" sz="2800">
+              <a:solidFill>
+                <a:schemeClr val="tx1"/>
+              </a:solidFill>
+              <a:latin typeface="Times New Roman" panose="02020603050405020304" charset="0"/>
+              <a:cs typeface="Times New Roman" panose="02020603050405020304" charset="0"/>
+            </a:endParaRPr>
+          </a:p>
+          <a:p>
+            <a:pPr indent="457200" algn="l"/>
+            <a:r>
+              <a:rPr lang="en-US" sz="2800">
+                <a:solidFill>
+                  <a:schemeClr val="tx1"/>
+                </a:solidFill>
+                <a:latin typeface="Times New Roman" panose="02020603050405020304" charset="0"/>
+                <a:cs typeface="Times New Roman" panose="02020603050405020304" charset="0"/>
+              </a:rPr>
+              <a:t>Khi người dung đưa thẻ chưa vào thiết bị mượn sẽ ở trạng thái khóa</a:t>
+            </a:r>
+            <a:endParaRPr lang="en-US" sz="2800">
+              <a:solidFill>
+                <a:schemeClr val="tx1"/>
+              </a:solidFill>
+              <a:latin typeface="Times New Roman" panose="02020603050405020304" charset="0"/>
+              <a:cs typeface="Times New Roman" panose="02020603050405020304" charset="0"/>
+            </a:endParaRPr>
+          </a:p>
+          <a:p>
+            <a:pPr indent="457200" algn="l"/>
+            <a:r>
+              <a:rPr lang="en-US" sz="2800">
+                <a:solidFill>
+                  <a:schemeClr val="tx1"/>
+                </a:solidFill>
+                <a:latin typeface="Times New Roman" panose="02020603050405020304" charset="0"/>
+                <a:cs typeface="Times New Roman" panose="02020603050405020304" charset="0"/>
+              </a:rPr>
+              <a:t>Khi người dung đưa thẻ vào thiết bị mượn mà số dư của thẻ trả trước nhỏ hơn 100.000 sẽ ở trạng thái mở</a:t>
+            </a:r>
+            <a:endParaRPr lang="en-US" sz="2800">
+              <a:solidFill>
+                <a:schemeClr val="tx1"/>
+              </a:solidFill>
+              <a:latin typeface="Times New Roman" panose="02020603050405020304" charset="0"/>
+              <a:cs typeface="Times New Roman" panose="02020603050405020304" charset="0"/>
+            </a:endParaRPr>
+          </a:p>
+          <a:p>
+            <a:pPr indent="457200" algn="l"/>
+            <a:r>
+              <a:rPr lang="en-US" sz="2800">
+                <a:solidFill>
+                  <a:schemeClr val="tx1"/>
+                </a:solidFill>
+                <a:latin typeface="Times New Roman" panose="02020603050405020304" charset="0"/>
+                <a:cs typeface="Times New Roman" panose="02020603050405020304" charset="0"/>
+              </a:rPr>
+              <a:t>Khi người dùng đưa thẻ vào thiết bị mượn mà số dư của thẻ trả trước lớn hơn 100.000 sẽ ở trạng thái mở</a:t>
+            </a:r>
+            <a:endParaRPr lang="en-US" sz="2800">
+              <a:solidFill>
+                <a:schemeClr val="tx1"/>
+              </a:solidFill>
+              <a:latin typeface="Times New Roman" panose="02020603050405020304" charset="0"/>
+              <a:cs typeface="Times New Roman" panose="02020603050405020304" charset="0"/>
+            </a:endParaRPr>
+          </a:p>
+        </p:txBody>
+      </p:sp>
+    </p:spTree>
+  </p:cSld>
+  <p:clrMapOvr>
+    <a:masterClrMapping/>
+  </p:clrMapOvr>
+</p:sld>
+</file>
+
+<file path=ppt/slides/slide28.xml><?xml version="1.0" encoding="utf-8"?>
+<p:sld xmlns:a="http://schemas.openxmlformats.org/drawingml/2006/main" xmlns:r="http://schemas.openxmlformats.org/officeDocument/2006/relationships" xmlns:p="http://schemas.openxmlformats.org/presentationml/2006/main">
+  <p:cSld>
+    <p:spTree>
+      <p:nvGrpSpPr>
+        <p:cNvPr id="1" name=""/>
+        <p:cNvGrpSpPr/>
+        <p:nvPr/>
+      </p:nvGrpSpPr>
+      <p:grpSpPr>
+        <a:xfrm>
+          <a:off x="0" y="0"/>
+          <a:ext cx="0" cy="0"/>
+          <a:chOff x="0" y="0"/>
+          <a:chExt cx="0" cy="0"/>
+        </a:xfrm>
+      </p:grpSpPr>
+      <p:sp>
+        <p:nvSpPr>
+          <p:cNvPr id="12" name="矩形 11"/>
+          <p:cNvSpPr/>
+          <p:nvPr/>
+        </p:nvSpPr>
+        <p:spPr>
+          <a:xfrm>
+            <a:off x="0" y="0"/>
+            <a:ext cx="12192000" cy="6858000"/>
+          </a:xfrm>
+          <a:prstGeom prst="rect">
+            <a:avLst/>
+          </a:prstGeom>
+          <a:solidFill>
+            <a:srgbClr val="B0CFF8"/>
+          </a:solidFill>
+          <a:ln>
+            <a:noFill/>
+          </a:ln>
+        </p:spPr>
+        <p:style>
+          <a:lnRef idx="2">
+            <a:schemeClr val="accent1">
+              <a:shade val="50000"/>
+            </a:schemeClr>
+          </a:lnRef>
+          <a:fillRef idx="1">
+            <a:schemeClr val="accent1"/>
+          </a:fillRef>
+          <a:effectRef idx="0">
+            <a:schemeClr val="accent1"/>
+          </a:effectRef>
+          <a:fontRef idx="minor">
+            <a:schemeClr val="lt1"/>
+          </a:fontRef>
+        </p:style>
+        <p:txBody>
+          <a:bodyPr rtlCol="0" anchor="ctr"/>
+          <a:lstStyle/>
+          <a:p>
+            <a:pPr algn="ctr"/>
+            <a:endParaRPr lang="zh-CN" altLang="en-US">
+              <a:ea typeface="Calibri" panose="020F0502020204030204" pitchFamily="34" charset="0"/>
+              <a:cs typeface="Calibri" panose="020F0502020204030204" pitchFamily="34" charset="0"/>
+            </a:endParaRPr>
+          </a:p>
+        </p:txBody>
+      </p:sp>
+      <p:sp>
+        <p:nvSpPr>
+          <p:cNvPr id="15" name="文本框 67"/>
+          <p:cNvSpPr>
+            <a:spLocks noChangeArrowheads="1"/>
+          </p:cNvSpPr>
+          <p:nvPr/>
+        </p:nvSpPr>
+        <p:spPr bwMode="auto">
+          <a:xfrm>
+            <a:off x="1787875" y="2219305"/>
+            <a:ext cx="309880" cy="1568450"/>
+          </a:xfrm>
+          <a:prstGeom prst="rect">
+            <a:avLst/>
+          </a:prstGeom>
+          <a:noFill/>
+          <a:ln w="9525" cap="flat" cmpd="sng">
+            <a:noFill/>
+            <a:bevel/>
+          </a:ln>
+          <a:effectLst/>
+          <a:extLst>
+            <a:ext uri="{909E8E84-426E-40DD-AFC4-6F175D3DCCD1}">
+              <a14:hiddenFill xmlns:a14="http://schemas.microsoft.com/office/drawing/2010/main">
+                <a:solidFill>
+                  <a:srgbClr val="FFFFFF"/>
+                </a:solidFill>
+              </a14:hiddenFill>
+            </a:ext>
+            <a:ext uri="{AF507438-7753-43E0-B8FC-AC1667EBCBE1}">
+              <a14:hiddenEffects xmlns:a14="http://schemas.microsoft.com/office/drawing/2010/main">
+                <a:effectLst>
+                  <a:outerShdw dist="35921" dir="2700000" algn="ctr" rotWithShape="0">
+                    <a:srgbClr val="808080"/>
+                  </a:outerShdw>
+                </a:effectLst>
+              </a14:hiddenEffects>
+            </a:ext>
+          </a:extLst>
+        </p:spPr>
+        <p:txBody>
+          <a:bodyPr wrap="none">
+            <a:spAutoFit/>
+          </a:bodyPr>
+          <a:lstStyle/>
+          <a:p>
+            <a:endParaRPr lang="zh-CN" altLang="en-US" sz="9600" dirty="0">
+              <a:solidFill>
+                <a:srgbClr val="F3D34B"/>
+              </a:solidFill>
+              <a:effectLst>
+                <a:outerShdw blurRad="38100" dist="38100" dir="2700000" algn="tl">
+                  <a:srgbClr val="000000">
+                    <a:alpha val="43137"/>
+                  </a:srgbClr>
+                </a:outerShdw>
+              </a:effectLst>
+              <a:latin typeface="Calibri" panose="020F0502020204030204" pitchFamily="34" charset="0"/>
+              <a:ea typeface="Calibri" panose="020F0502020204030204" pitchFamily="34" charset="0"/>
+              <a:cs typeface="Calibri" panose="020F0502020204030204" pitchFamily="34" charset="0"/>
+              <a:sym typeface="Arial" panose="020B0604020202020204" pitchFamily="34" charset="0"/>
+            </a:endParaRPr>
+          </a:p>
+        </p:txBody>
+      </p:sp>
+      <p:sp>
+        <p:nvSpPr>
+          <p:cNvPr id="2" name="Text Box 1"/>
+          <p:cNvSpPr txBox="1"/>
+          <p:nvPr/>
+        </p:nvSpPr>
+        <p:spPr>
+          <a:xfrm>
+            <a:off x="940435" y="250190"/>
+            <a:ext cx="10602595" cy="521970"/>
+          </a:xfrm>
+          <a:prstGeom prst="rect">
+            <a:avLst/>
+          </a:prstGeom>
+          <a:noFill/>
+        </p:spPr>
+        <p:txBody>
+          <a:bodyPr wrap="square" rtlCol="0">
+            <a:spAutoFit/>
+          </a:bodyPr>
+          <a:p>
+            <a:pPr algn="l"/>
+            <a:r>
+              <a:rPr lang="en-US" sz="2800" b="1">
+                <a:solidFill>
+                  <a:srgbClr val="FF0000"/>
+                </a:solidFill>
+                <a:latin typeface="Times New Roman" panose="02020603050405020304" charset="0"/>
+                <a:cs typeface="Times New Roman" panose="02020603050405020304" charset="0"/>
+                <a:sym typeface="+mn-ea"/>
+              </a:rPr>
+              <a:t>3. Thiết kế</a:t>
+            </a:r>
+            <a:endParaRPr lang="zh-CN" altLang="en-US" sz="2800" b="1" dirty="0" smtClean="0">
+              <a:solidFill>
+                <a:srgbClr val="FF0000"/>
+              </a:solidFill>
+              <a:latin typeface="Times New Roman" panose="02020603050405020304" charset="0"/>
+              <a:ea typeface="Calibri" panose="020F0502020204030204" pitchFamily="34" charset="0"/>
+              <a:cs typeface="Times New Roman" panose="02020603050405020304" charset="0"/>
+              <a:sym typeface="+mn-ea"/>
+            </a:endParaRPr>
+          </a:p>
+        </p:txBody>
+      </p:sp>
+      <p:sp>
+        <p:nvSpPr>
+          <p:cNvPr id="3" name="Text Box 2"/>
+          <p:cNvSpPr txBox="1"/>
+          <p:nvPr/>
+        </p:nvSpPr>
+        <p:spPr>
+          <a:xfrm>
+            <a:off x="612775" y="3352165"/>
+            <a:ext cx="10602595" cy="588645"/>
+          </a:xfrm>
+          <a:prstGeom prst="rect">
+            <a:avLst/>
+          </a:prstGeom>
+          <a:noFill/>
+        </p:spPr>
+        <p:txBody>
+          <a:bodyPr wrap="square" rtlCol="0">
+            <a:noAutofit/>
+          </a:bodyPr>
+          <a:p>
+            <a:pPr indent="457200" algn="ctr"/>
+            <a:r>
+              <a:rPr lang="en-US" sz="2800">
+                <a:solidFill>
+                  <a:schemeClr val="tx1"/>
+                </a:solidFill>
+                <a:latin typeface="Times New Roman" panose="02020603050405020304" charset="0"/>
+                <a:cs typeface="Times New Roman" panose="02020603050405020304" charset="0"/>
+              </a:rPr>
+              <a:t>Giao diện máy mượn xe khi khóa và mở</a:t>
+            </a:r>
+            <a:endParaRPr lang="en-US" sz="2800">
+              <a:solidFill>
+                <a:schemeClr val="tx1"/>
+              </a:solidFill>
+              <a:latin typeface="Times New Roman" panose="02020603050405020304" charset="0"/>
+              <a:cs typeface="Times New Roman" panose="02020603050405020304" charset="0"/>
+            </a:endParaRPr>
+          </a:p>
+        </p:txBody>
+      </p:sp>
+      <p:pic>
+        <p:nvPicPr>
+          <p:cNvPr id="4" name="Picture 3"/>
+          <p:cNvPicPr>
+            <a:picLocks noChangeAspect="1"/>
+          </p:cNvPicPr>
+          <p:nvPr/>
+        </p:nvPicPr>
+        <p:blipFill>
+          <a:blip r:embed="rId1"/>
+          <a:stretch>
+            <a:fillRect/>
+          </a:stretch>
+        </p:blipFill>
+        <p:spPr>
+          <a:xfrm>
+            <a:off x="2947035" y="695325"/>
+            <a:ext cx="5934075" cy="2266950"/>
+          </a:xfrm>
+          <a:prstGeom prst="rect">
+            <a:avLst/>
+          </a:prstGeom>
+        </p:spPr>
+      </p:pic>
+      <p:sp>
+        <p:nvSpPr>
+          <p:cNvPr id="5" name="Text Box 4"/>
+          <p:cNvSpPr txBox="1"/>
+          <p:nvPr/>
+        </p:nvSpPr>
+        <p:spPr>
+          <a:xfrm>
+            <a:off x="739775" y="4104640"/>
+            <a:ext cx="10602595" cy="588645"/>
+          </a:xfrm>
+          <a:prstGeom prst="rect">
+            <a:avLst/>
+          </a:prstGeom>
+          <a:noFill/>
+        </p:spPr>
+        <p:txBody>
+          <a:bodyPr wrap="square" rtlCol="0">
+            <a:noAutofit/>
+          </a:bodyPr>
+          <a:p>
+            <a:pPr indent="457200" algn="l"/>
+            <a:r>
+              <a:rPr lang="en-US" sz="2800">
+                <a:solidFill>
+                  <a:schemeClr val="tx1"/>
+                </a:solidFill>
+                <a:latin typeface="Times New Roman" panose="02020603050405020304" charset="0"/>
+                <a:cs typeface="Times New Roman" panose="02020603050405020304" charset="0"/>
+              </a:rPr>
+              <a:t>Trường hợp trả xe</a:t>
+            </a:r>
+            <a:endParaRPr lang="en-US" sz="2800">
+              <a:solidFill>
+                <a:schemeClr val="tx1"/>
+              </a:solidFill>
+              <a:latin typeface="Times New Roman" panose="02020603050405020304" charset="0"/>
+              <a:cs typeface="Times New Roman" panose="02020603050405020304" charset="0"/>
+            </a:endParaRPr>
+          </a:p>
+          <a:p>
+            <a:pPr indent="457200" algn="l"/>
+            <a:r>
+              <a:rPr lang="en-US" sz="2800">
+                <a:solidFill>
+                  <a:schemeClr val="tx1"/>
+                </a:solidFill>
+                <a:latin typeface="Times New Roman" panose="02020603050405020304" charset="0"/>
+                <a:cs typeface="Times New Roman" panose="02020603050405020304" charset="0"/>
+              </a:rPr>
+              <a:t>Khi người dùng đặt xe vào máy hệ thông sẽ quét xe có đúng với giao dịch mượn xe không. Và tự trừ tiền vào tài khoản theo đơn giá tại thời điểm mượn theo số giờ mượn * đơn giá.</a:t>
+            </a:r>
+            <a:endParaRPr lang="en-US" sz="2800">
+              <a:solidFill>
+                <a:schemeClr val="tx1"/>
+              </a:solidFill>
+              <a:latin typeface="Times New Roman" panose="02020603050405020304" charset="0"/>
+              <a:cs typeface="Times New Roman" panose="02020603050405020304" charset="0"/>
+            </a:endParaRPr>
+          </a:p>
+        </p:txBody>
+      </p:sp>
+    </p:spTree>
+  </p:cSld>
+  <p:clrMapOvr>
+    <a:masterClrMapping/>
+  </p:clrMapOvr>
+</p:sld>
+</file>
+
+<file path=ppt/slides/slide29.xml><?xml version="1.0" encoding="utf-8"?>
+<p:sld xmlns:a="http://schemas.openxmlformats.org/drawingml/2006/main" xmlns:r="http://schemas.openxmlformats.org/officeDocument/2006/relationships" xmlns:p="http://schemas.openxmlformats.org/presentationml/2006/main">
+  <p:cSld>
+    <p:spTree>
+      <p:nvGrpSpPr>
+        <p:cNvPr id="1" name=""/>
+        <p:cNvGrpSpPr/>
+        <p:nvPr/>
+      </p:nvGrpSpPr>
+      <p:grpSpPr>
+        <a:xfrm>
+          <a:off x="0" y="0"/>
+          <a:ext cx="0" cy="0"/>
+          <a:chOff x="0" y="0"/>
+          <a:chExt cx="0" cy="0"/>
+        </a:xfrm>
+      </p:grpSpPr>
+      <p:sp>
+        <p:nvSpPr>
           <p:cNvPr id="2" name="矩形 1"/>
           <p:cNvSpPr/>
           <p:nvPr/>
@@ -10929,7 +11729,7 @@
         <p:spPr>
           <a:xfrm>
             <a:off x="940435" y="250190"/>
-            <a:ext cx="10602595" cy="953135"/>
+            <a:ext cx="10602595" cy="521970"/>
           </a:xfrm>
           <a:prstGeom prst="rect">
             <a:avLst/>
@@ -10941,40 +11741,23 @@
             <a:spAutoFit/>
           </a:bodyPr>
           <a:p>
-            <a:pPr algn="l"/>
-            <a:r>
-              <a:rPr lang="en-US" altLang="zh-CN" sz="2800" b="1" dirty="0" smtClean="0">
+            <a:r>
+              <a:rPr lang="en-US" sz="2800" b="1">
                 <a:solidFill>
                   <a:srgbClr val="FF0000"/>
                 </a:solidFill>
                 <a:latin typeface="Times New Roman" panose="02020603050405020304" charset="0"/>
-                <a:ea typeface="Calibri" panose="020F0502020204030204" pitchFamily="34" charset="0"/>
                 <a:cs typeface="Times New Roman" panose="02020603050405020304" charset="0"/>
                 <a:sym typeface="+mn-ea"/>
               </a:rPr>
-              <a:t>2.  Nội dung</a:t>
-            </a:r>
-            <a:r>
-              <a:rPr lang="zh-CN" altLang="en-US" sz="2800" b="1" dirty="0" smtClean="0">
-                <a:solidFill>
-                  <a:srgbClr val="FF0000"/>
-                </a:solidFill>
-                <a:latin typeface="Times New Roman" panose="02020603050405020304" charset="0"/>
-                <a:ea typeface="Calibri" panose="020F0502020204030204" pitchFamily="34" charset="0"/>
-                <a:cs typeface="Times New Roman" panose="02020603050405020304" charset="0"/>
-                <a:sym typeface="+mn-ea"/>
-              </a:rPr>
-              <a:t>
-</a:t>
-            </a:r>
-            <a:endParaRPr lang="zh-CN" altLang="en-US" sz="2800" b="1" dirty="0" smtClean="0">
+              <a:t>Yêu cầu người dùng</a:t>
+            </a:r>
+            <a:endParaRPr lang="en-US" sz="2800" b="1">
               <a:solidFill>
                 <a:srgbClr val="FF0000"/>
               </a:solidFill>
               <a:latin typeface="Times New Roman" panose="02020603050405020304" charset="0"/>
-              <a:ea typeface="Calibri" panose="020F0502020204030204" pitchFamily="34" charset="0"/>
               <a:cs typeface="Times New Roman" panose="02020603050405020304" charset="0"/>
-              <a:sym typeface="+mn-ea"/>
             </a:endParaRPr>
           </a:p>
         </p:txBody>
@@ -10987,8 +11770,8 @@
         </p:nvSpPr>
         <p:spPr>
           <a:xfrm>
-            <a:off x="464820" y="5876290"/>
-            <a:ext cx="10602595" cy="588645"/>
+            <a:off x="464820" y="772160"/>
+            <a:ext cx="10602595" cy="6247130"/>
           </a:xfrm>
           <a:prstGeom prst="rect">
             <a:avLst/>
@@ -10997,21 +11780,21 @@
         </p:spPr>
         <p:txBody>
           <a:bodyPr wrap="square" rtlCol="0">
-            <a:noAutofit/>
+            <a:spAutoFit/>
           </a:bodyPr>
           <a:p>
-            <a:pPr indent="457200" algn="ctr"/>
-            <a:r>
-              <a:rPr lang="en-US" sz="2800">
+            <a:pPr indent="457200"/>
+            <a:r>
+              <a:rPr lang="en-US" sz="2000">
                 <a:solidFill>
                   <a:schemeClr val="tx1"/>
                 </a:solidFill>
                 <a:latin typeface="Times New Roman" panose="02020603050405020304" charset="0"/>
                 <a:cs typeface="Times New Roman" panose="02020603050405020304" charset="0"/>
               </a:rPr>
-              <a:t>Sơ đồ Use case</a:t>
-            </a:r>
-            <a:endParaRPr lang="en-US" sz="2800">
+              <a:t>Chương trình cho phép:</a:t>
+            </a:r>
+            <a:endParaRPr lang="en-US" sz="2000">
               <a:solidFill>
                 <a:schemeClr val="tx1"/>
               </a:solidFill>
@@ -11019,36 +11802,218 @@
               <a:cs typeface="Times New Roman" panose="02020603050405020304" charset="0"/>
             </a:endParaRPr>
           </a:p>
-        </p:txBody>
-      </p:sp>
-      <p:pic>
-        <p:nvPicPr>
-          <p:cNvPr id="72" name="Picture 4"/>
-          <p:cNvPicPr>
-            <a:picLocks noChangeAspect="1"/>
-          </p:cNvPicPr>
-          <p:nvPr/>
-        </p:nvPicPr>
-        <p:blipFill>
-          <a:blip r:embed="rId1"/>
-          <a:stretch>
-            <a:fillRect/>
-          </a:stretch>
-        </p:blipFill>
-        <p:spPr>
-          <a:xfrm>
-            <a:off x="3128645" y="1208723"/>
-            <a:ext cx="5934710" cy="4440555"/>
-          </a:xfrm>
-          <a:prstGeom prst="rect">
-            <a:avLst/>
-          </a:prstGeom>
-          <a:noFill/>
-          <a:ln>
-            <a:noFill/>
-          </a:ln>
-        </p:spPr>
-      </p:pic>
+          <a:p>
+            <a:pPr indent="457200"/>
+            <a:r>
+              <a:rPr lang="en-US" sz="2000">
+                <a:solidFill>
+                  <a:schemeClr val="tx1"/>
+                </a:solidFill>
+                <a:latin typeface="Times New Roman" panose="02020603050405020304" charset="0"/>
+                <a:cs typeface="Times New Roman" panose="02020603050405020304" charset="0"/>
+              </a:rPr>
+              <a:t>1.Khách</a:t>
+            </a:r>
+            <a:endParaRPr lang="en-US" sz="2000">
+              <a:solidFill>
+                <a:schemeClr val="tx1"/>
+              </a:solidFill>
+              <a:latin typeface="Times New Roman" panose="02020603050405020304" charset="0"/>
+              <a:cs typeface="Times New Roman" panose="02020603050405020304" charset="0"/>
+            </a:endParaRPr>
+          </a:p>
+          <a:p>
+            <a:pPr indent="457200"/>
+            <a:r>
+              <a:rPr lang="en-US" sz="2000">
+                <a:solidFill>
+                  <a:schemeClr val="tx1"/>
+                </a:solidFill>
+                <a:latin typeface="Times New Roman" panose="02020603050405020304" charset="0"/>
+                <a:cs typeface="Times New Roman" panose="02020603050405020304" charset="0"/>
+              </a:rPr>
+              <a:t>a.Xem danh sách trạm và giá vé hiện hành trên nền tảng web:</a:t>
+            </a:r>
+            <a:endParaRPr lang="en-US" sz="2000">
+              <a:solidFill>
+                <a:schemeClr val="tx1"/>
+              </a:solidFill>
+              <a:latin typeface="Times New Roman" panose="02020603050405020304" charset="0"/>
+              <a:cs typeface="Times New Roman" panose="02020603050405020304" charset="0"/>
+            </a:endParaRPr>
+          </a:p>
+          <a:p>
+            <a:pPr indent="457200"/>
+            <a:r>
+              <a:rPr lang="en-US" sz="2000">
+                <a:solidFill>
+                  <a:schemeClr val="tx1"/>
+                </a:solidFill>
+                <a:latin typeface="Times New Roman" panose="02020603050405020304" charset="0"/>
+                <a:cs typeface="Times New Roman" panose="02020603050405020304" charset="0"/>
+              </a:rPr>
+              <a:t>1.Người dùng:</a:t>
+            </a:r>
+            <a:endParaRPr lang="en-US" sz="2000">
+              <a:solidFill>
+                <a:schemeClr val="tx1"/>
+              </a:solidFill>
+              <a:latin typeface="Times New Roman" panose="02020603050405020304" charset="0"/>
+              <a:cs typeface="Times New Roman" panose="02020603050405020304" charset="0"/>
+            </a:endParaRPr>
+          </a:p>
+          <a:p>
+            <a:pPr indent="457200"/>
+            <a:r>
+              <a:rPr lang="en-US" sz="2000">
+                <a:solidFill>
+                  <a:schemeClr val="tx1"/>
+                </a:solidFill>
+                <a:latin typeface="Times New Roman" panose="02020603050405020304" charset="0"/>
+                <a:cs typeface="Times New Roman" panose="02020603050405020304" charset="0"/>
+              </a:rPr>
+              <a:t>a.Mua và hoàn trả thẻ tại máy bán thẻ</a:t>
+            </a:r>
+            <a:endParaRPr lang="en-US" sz="2000">
+              <a:solidFill>
+                <a:schemeClr val="tx1"/>
+              </a:solidFill>
+              <a:latin typeface="Times New Roman" panose="02020603050405020304" charset="0"/>
+              <a:cs typeface="Times New Roman" panose="02020603050405020304" charset="0"/>
+            </a:endParaRPr>
+          </a:p>
+          <a:p>
+            <a:pPr indent="457200"/>
+            <a:r>
+              <a:rPr lang="en-US" sz="2000">
+                <a:solidFill>
+                  <a:schemeClr val="tx1"/>
+                </a:solidFill>
+                <a:latin typeface="Times New Roman" panose="02020603050405020304" charset="0"/>
+                <a:cs typeface="Times New Roman" panose="02020603050405020304" charset="0"/>
+              </a:rPr>
+              <a:t>Có 2 cách mua thẻ:</a:t>
+            </a:r>
+            <a:endParaRPr lang="en-US" sz="2000">
+              <a:solidFill>
+                <a:schemeClr val="tx1"/>
+              </a:solidFill>
+              <a:latin typeface="Times New Roman" panose="02020603050405020304" charset="0"/>
+              <a:cs typeface="Times New Roman" panose="02020603050405020304" charset="0"/>
+            </a:endParaRPr>
+          </a:p>
+          <a:p>
+            <a:pPr indent="457200"/>
+            <a:r>
+              <a:rPr lang="en-US" sz="2000">
+                <a:solidFill>
+                  <a:schemeClr val="tx1"/>
+                </a:solidFill>
+                <a:latin typeface="Times New Roman" panose="02020603050405020304" charset="0"/>
+                <a:cs typeface="Times New Roman" panose="02020603050405020304" charset="0"/>
+              </a:rPr>
+              <a:t>Thẻ trả trước bằng cách nạp tiền vào máy. Với cách này, khách hàng phải nạp tối thiểu là 1.000.000đ. Sau khi nạp tiền xong, hệ thống sẽ xuất trình thẻ mượn xe đạp có số tiền đúng bằng số tiền mà khách hàng đã nạp vào. </a:t>
+            </a:r>
+            <a:endParaRPr lang="en-US" sz="2000">
+              <a:solidFill>
+                <a:schemeClr val="tx1"/>
+              </a:solidFill>
+              <a:latin typeface="Times New Roman" panose="02020603050405020304" charset="0"/>
+              <a:cs typeface="Times New Roman" panose="02020603050405020304" charset="0"/>
+            </a:endParaRPr>
+          </a:p>
+          <a:p>
+            <a:pPr indent="457200"/>
+            <a:r>
+              <a:rPr lang="en-US" sz="2000">
+                <a:solidFill>
+                  <a:schemeClr val="tx1"/>
+                </a:solidFill>
+                <a:latin typeface="Times New Roman" panose="02020603050405020304" charset="0"/>
+                <a:cs typeface="Times New Roman" panose="02020603050405020304" charset="0"/>
+              </a:rPr>
+              <a:t>Thẻ trả sau bằng cách liên kết với thẻ thanh toán của ngân hàng. Khách hàng sẽ quét thẻ ngân hàng và nhập mã số PIN. Hệ thống sẽ xác thực thẻ ngân hàng. Sau khi xác thực xong, hệ thống sẽ truy xuất và lưu trữ thông tin mã thẻ, họ tên khách hàng, tên ngân hàng và đưa thẻ mượn xe đạp cho người dùng. Số tiền trong thẻ sẽ là 0đ. Khi người dùng trả xe đạp thì hệ thống mới thanh toán tiền mượn với ngân hàng của khách hàng</a:t>
+            </a:r>
+            <a:endParaRPr lang="en-US" sz="2000">
+              <a:solidFill>
+                <a:schemeClr val="tx1"/>
+              </a:solidFill>
+              <a:latin typeface="Times New Roman" panose="02020603050405020304" charset="0"/>
+              <a:cs typeface="Times New Roman" panose="02020603050405020304" charset="0"/>
+            </a:endParaRPr>
+          </a:p>
+          <a:p>
+            <a:pPr indent="457200"/>
+            <a:r>
+              <a:rPr lang="en-US" sz="2000">
+                <a:solidFill>
+                  <a:schemeClr val="tx1"/>
+                </a:solidFill>
+                <a:latin typeface="Times New Roman" panose="02020603050405020304" charset="0"/>
+                <a:cs typeface="Times New Roman" panose="02020603050405020304" charset="0"/>
+              </a:rPr>
+              <a:t>Khi mua thẻ, người dùng tạo một mã PIN.</a:t>
+            </a:r>
+            <a:endParaRPr lang="en-US" sz="2000">
+              <a:solidFill>
+                <a:schemeClr val="tx1"/>
+              </a:solidFill>
+              <a:latin typeface="Times New Roman" panose="02020603050405020304" charset="0"/>
+              <a:cs typeface="Times New Roman" panose="02020603050405020304" charset="0"/>
+            </a:endParaRPr>
+          </a:p>
+          <a:p>
+            <a:pPr indent="457200"/>
+            <a:r>
+              <a:rPr lang="en-US" sz="2000">
+                <a:solidFill>
+                  <a:schemeClr val="tx1"/>
+                </a:solidFill>
+                <a:latin typeface="Times New Roman" panose="02020603050405020304" charset="0"/>
+                <a:cs typeface="Times New Roman" panose="02020603050405020304" charset="0"/>
+              </a:rPr>
+              <a:t>b.Nạp tiền vào thẻ (chỉ có ở thẻ trả trước):</a:t>
+            </a:r>
+            <a:endParaRPr lang="en-US" sz="2000">
+              <a:solidFill>
+                <a:schemeClr val="tx1"/>
+              </a:solidFill>
+              <a:latin typeface="Times New Roman" panose="02020603050405020304" charset="0"/>
+              <a:cs typeface="Times New Roman" panose="02020603050405020304" charset="0"/>
+            </a:endParaRPr>
+          </a:p>
+          <a:p>
+            <a:pPr indent="457200"/>
+            <a:r>
+              <a:rPr lang="en-US" sz="2000">
+                <a:solidFill>
+                  <a:schemeClr val="tx1"/>
+                </a:solidFill>
+                <a:latin typeface="Times New Roman" panose="02020603050405020304" charset="0"/>
+                <a:cs typeface="Times New Roman" panose="02020603050405020304" charset="0"/>
+              </a:rPr>
+              <a:t>Để mượn xe đạp nào đó thì trong thẻ phải có tối thiểu 1.000.000đ. Do đó nếu không đủ tiền thì họ đưa thẻ mượn xe đạp vào và nạp thêm tiền bằng cách đưa các tờ tiền vào trong máy. Hệ thống ghi nhận số tiền nạp vào và trả lại thẻ mượn xe đạp cho khách.</a:t>
+            </a:r>
+            <a:endParaRPr lang="en-US" sz="2000">
+              <a:solidFill>
+                <a:schemeClr val="tx1"/>
+              </a:solidFill>
+              <a:latin typeface="Times New Roman" panose="02020603050405020304" charset="0"/>
+              <a:cs typeface="Times New Roman" panose="02020603050405020304" charset="0"/>
+            </a:endParaRPr>
+          </a:p>
+          <a:p>
+            <a:pPr indent="457200"/>
+            <a:endParaRPr lang="en-US" sz="2000">
+              <a:solidFill>
+                <a:schemeClr val="tx1"/>
+              </a:solidFill>
+              <a:latin typeface="Times New Roman" panose="02020603050405020304" charset="0"/>
+              <a:cs typeface="Times New Roman" panose="02020603050405020304" charset="0"/>
+            </a:endParaRPr>
+          </a:p>
+        </p:txBody>
+      </p:sp>
     </p:spTree>
   </p:cSld>
   <p:clrMapOvr>
@@ -11198,7 +12163,7 @@
         <p:spPr>
           <a:xfrm>
             <a:off x="940435" y="250190"/>
-            <a:ext cx="10602595" cy="953135"/>
+            <a:ext cx="10602595" cy="521970"/>
           </a:xfrm>
           <a:prstGeom prst="rect">
             <a:avLst/>
@@ -11210,40 +12175,23 @@
             <a:spAutoFit/>
           </a:bodyPr>
           <a:p>
-            <a:pPr algn="l"/>
-            <a:r>
-              <a:rPr lang="en-US" altLang="zh-CN" sz="2800" b="1" dirty="0" smtClean="0">
+            <a:r>
+              <a:rPr lang="en-US" sz="2800" b="1">
                 <a:solidFill>
                   <a:srgbClr val="FF0000"/>
                 </a:solidFill>
                 <a:latin typeface="Times New Roman" panose="02020603050405020304" charset="0"/>
-                <a:ea typeface="Calibri" panose="020F0502020204030204" pitchFamily="34" charset="0"/>
                 <a:cs typeface="Times New Roman" panose="02020603050405020304" charset="0"/>
                 <a:sym typeface="+mn-ea"/>
               </a:rPr>
-              <a:t>2.  Nội dung</a:t>
-            </a:r>
-            <a:r>
-              <a:rPr lang="zh-CN" altLang="en-US" sz="2800" b="1" dirty="0" smtClean="0">
-                <a:solidFill>
-                  <a:srgbClr val="FF0000"/>
-                </a:solidFill>
-                <a:latin typeface="Times New Roman" panose="02020603050405020304" charset="0"/>
-                <a:ea typeface="Calibri" panose="020F0502020204030204" pitchFamily="34" charset="0"/>
-                <a:cs typeface="Times New Roman" panose="02020603050405020304" charset="0"/>
-                <a:sym typeface="+mn-ea"/>
-              </a:rPr>
-              <a:t>
-</a:t>
-            </a:r>
-            <a:endParaRPr lang="zh-CN" altLang="en-US" sz="2800" b="1" dirty="0" smtClean="0">
+              <a:t>Yêu cầu người dùng</a:t>
+            </a:r>
+            <a:endParaRPr lang="en-US" sz="2800" b="1">
               <a:solidFill>
                 <a:srgbClr val="FF0000"/>
               </a:solidFill>
               <a:latin typeface="Times New Roman" panose="02020603050405020304" charset="0"/>
-              <a:ea typeface="Calibri" panose="020F0502020204030204" pitchFamily="34" charset="0"/>
               <a:cs typeface="Times New Roman" panose="02020603050405020304" charset="0"/>
-              <a:sym typeface="+mn-ea"/>
             </a:endParaRPr>
           </a:p>
         </p:txBody>
@@ -11256,8 +12204,8 @@
         </p:nvSpPr>
         <p:spPr>
           <a:xfrm>
-            <a:off x="464820" y="5876290"/>
-            <a:ext cx="10602595" cy="588645"/>
+            <a:off x="464820" y="772160"/>
+            <a:ext cx="10602595" cy="5631180"/>
           </a:xfrm>
           <a:prstGeom prst="rect">
             <a:avLst/>
@@ -11266,21 +12214,21 @@
         </p:spPr>
         <p:txBody>
           <a:bodyPr wrap="square" rtlCol="0">
-            <a:noAutofit/>
+            <a:spAutoFit/>
           </a:bodyPr>
           <a:p>
-            <a:pPr indent="457200" algn="ctr"/>
-            <a:r>
-              <a:rPr lang="en-US" sz="2800">
+            <a:pPr indent="457200"/>
+            <a:r>
+              <a:rPr lang="en-US" sz="2400">
                 <a:solidFill>
                   <a:schemeClr val="tx1"/>
                 </a:solidFill>
                 <a:latin typeface="Times New Roman" panose="02020603050405020304" charset="0"/>
                 <a:cs typeface="Times New Roman" panose="02020603050405020304" charset="0"/>
               </a:rPr>
-              <a:t>Sơ đồ Class Diagram</a:t>
-            </a:r>
-            <a:endParaRPr lang="en-US" sz="2800">
+              <a:t>c.Hoàn trả thẻ:</a:t>
+            </a:r>
+            <a:endParaRPr lang="en-US" sz="2400">
               <a:solidFill>
                 <a:schemeClr val="tx1"/>
               </a:solidFill>
@@ -11288,31 +12236,148 @@
               <a:cs typeface="Times New Roman" panose="02020603050405020304" charset="0"/>
             </a:endParaRPr>
           </a:p>
-        </p:txBody>
-      </p:sp>
-      <p:pic>
-        <p:nvPicPr>
-          <p:cNvPr id="28" name="image29.png"/>
-          <p:cNvPicPr preferRelativeResize="0"/>
-          <p:nvPr/>
-        </p:nvPicPr>
-        <p:blipFill>
-          <a:blip r:embed="rId1"/>
-          <a:srcRect/>
-          <a:stretch>
-            <a:fillRect/>
-          </a:stretch>
-        </p:blipFill>
-        <p:spPr>
-          <a:xfrm>
-            <a:off x="3216275" y="1092200"/>
-            <a:ext cx="5759450" cy="4673600"/>
-          </a:xfrm>
-          <a:prstGeom prst="rect">
-            <a:avLst/>
-          </a:prstGeom>
-        </p:spPr>
-      </p:pic>
+          <a:p>
+            <a:pPr indent="457200"/>
+            <a:r>
+              <a:rPr lang="en-US" sz="2400">
+                <a:solidFill>
+                  <a:schemeClr val="tx1"/>
+                </a:solidFill>
+                <a:latin typeface="Times New Roman" panose="02020603050405020304" charset="0"/>
+                <a:cs typeface="Times New Roman" panose="02020603050405020304" charset="0"/>
+              </a:rPr>
+              <a:t>Người dùng đưa thẻ mượn xe đạp vào máy, chọn chức năng hoàn trả thẻ và nhập mã PIN. Nếu là thẻ trả trước thì hệ thống hoàn trả số tiền còn lại trong thẻ. Sau đó hệ thống sẽ reset thẻ mượn lại.</a:t>
+            </a:r>
+            <a:endParaRPr lang="en-US" sz="2400">
+              <a:solidFill>
+                <a:schemeClr val="tx1"/>
+              </a:solidFill>
+              <a:latin typeface="Times New Roman" panose="02020603050405020304" charset="0"/>
+              <a:cs typeface="Times New Roman" panose="02020603050405020304" charset="0"/>
+            </a:endParaRPr>
+          </a:p>
+          <a:p>
+            <a:pPr indent="457200"/>
+            <a:r>
+              <a:rPr lang="en-US" sz="2400">
+                <a:solidFill>
+                  <a:schemeClr val="tx1"/>
+                </a:solidFill>
+                <a:latin typeface="Times New Roman" panose="02020603050405020304" charset="0"/>
+                <a:cs typeface="Times New Roman" panose="02020603050405020304" charset="0"/>
+              </a:rPr>
+              <a:t>d.Xem thông tin cá nhân và tài khoản trên nền tảng web</a:t>
+            </a:r>
+            <a:endParaRPr lang="en-US" sz="2400">
+              <a:solidFill>
+                <a:schemeClr val="tx1"/>
+              </a:solidFill>
+              <a:latin typeface="Times New Roman" panose="02020603050405020304" charset="0"/>
+              <a:cs typeface="Times New Roman" panose="02020603050405020304" charset="0"/>
+            </a:endParaRPr>
+          </a:p>
+          <a:p>
+            <a:pPr indent="457200"/>
+            <a:r>
+              <a:rPr lang="en-US" sz="2400">
+                <a:solidFill>
+                  <a:schemeClr val="tx1"/>
+                </a:solidFill>
+                <a:latin typeface="Times New Roman" panose="02020603050405020304" charset="0"/>
+                <a:cs typeface="Times New Roman" panose="02020603050405020304" charset="0"/>
+              </a:rPr>
+              <a:t>e.Mượn xe đạp:</a:t>
+            </a:r>
+            <a:endParaRPr lang="en-US" sz="2400">
+              <a:solidFill>
+                <a:schemeClr val="tx1"/>
+              </a:solidFill>
+              <a:latin typeface="Times New Roman" panose="02020603050405020304" charset="0"/>
+              <a:cs typeface="Times New Roman" panose="02020603050405020304" charset="0"/>
+            </a:endParaRPr>
+          </a:p>
+          <a:p>
+            <a:pPr indent="457200"/>
+            <a:r>
+              <a:rPr lang="en-US" sz="2400">
+                <a:solidFill>
+                  <a:schemeClr val="tx1"/>
+                </a:solidFill>
+                <a:latin typeface="Times New Roman" panose="02020603050405020304" charset="0"/>
+                <a:cs typeface="Times New Roman" panose="02020603050405020304" charset="0"/>
+              </a:rPr>
+              <a:t>Khi đã có thẻ mượn xe đạp, người dùng chỉ cần chọn xe đạp mà họ thích và quét thẻ mượn xe đạp tại thiết bị đặt kế bên xe đạp đó. Hệ thống sẽ mở khóa cho xe đạp. Người dùng chỉ cần dắt xe đạp ra và sử dụng.  Khi sử dụng xong, người dùng đến trạm để xe đạp gần nhất để trả. Họ chỉ cần đưa xe đạp vào chỗ để xe đạp và quét thẻ mượn xe đạp. Có 2 trường hợp  </a:t>
+            </a:r>
+            <a:endParaRPr lang="en-US" sz="2400">
+              <a:solidFill>
+                <a:schemeClr val="tx1"/>
+              </a:solidFill>
+              <a:latin typeface="Times New Roman" panose="02020603050405020304" charset="0"/>
+              <a:cs typeface="Times New Roman" panose="02020603050405020304" charset="0"/>
+            </a:endParaRPr>
+          </a:p>
+          <a:p>
+            <a:pPr indent="457200"/>
+            <a:r>
+              <a:rPr lang="en-US" sz="2400">
+                <a:solidFill>
+                  <a:schemeClr val="tx1"/>
+                </a:solidFill>
+                <a:latin typeface="Times New Roman" panose="02020603050405020304" charset="0"/>
+                <a:cs typeface="Times New Roman" panose="02020603050405020304" charset="0"/>
+              </a:rPr>
+              <a:t>Thẻ trả trước: hệ thống sẽ trừ tiền vào thẻ </a:t>
+            </a:r>
+            <a:endParaRPr lang="en-US" sz="2400">
+              <a:solidFill>
+                <a:schemeClr val="tx1"/>
+              </a:solidFill>
+              <a:latin typeface="Times New Roman" panose="02020603050405020304" charset="0"/>
+              <a:cs typeface="Times New Roman" panose="02020603050405020304" charset="0"/>
+            </a:endParaRPr>
+          </a:p>
+          <a:p>
+            <a:pPr indent="457200"/>
+            <a:r>
+              <a:rPr lang="en-US" sz="2400">
+                <a:solidFill>
+                  <a:schemeClr val="tx1"/>
+                </a:solidFill>
+                <a:latin typeface="Times New Roman" panose="02020603050405020304" charset="0"/>
+                <a:cs typeface="Times New Roman" panose="02020603050405020304" charset="0"/>
+              </a:rPr>
+              <a:t> Thẻ trả sau: hệ thống sẽ truy vấn trừ tiền vào thẻ ngân hàng của khách hàng.  </a:t>
+            </a:r>
+            <a:endParaRPr lang="en-US" sz="2400">
+              <a:solidFill>
+                <a:schemeClr val="tx1"/>
+              </a:solidFill>
+              <a:latin typeface="Times New Roman" panose="02020603050405020304" charset="0"/>
+              <a:cs typeface="Times New Roman" panose="02020603050405020304" charset="0"/>
+            </a:endParaRPr>
+          </a:p>
+          <a:p>
+            <a:pPr indent="457200"/>
+            <a:r>
+              <a:rPr lang="en-US" sz="2400">
+                <a:solidFill>
+                  <a:schemeClr val="tx1"/>
+                </a:solidFill>
+                <a:latin typeface="Times New Roman" panose="02020603050405020304" charset="0"/>
+                <a:cs typeface="Times New Roman" panose="02020603050405020304" charset="0"/>
+              </a:rPr>
+              <a:t>Đơn giá mượn xe đạp là 2.000đ/giờ. Tuy nhiên đơn giá này có thể sẽ có thể thay đổi</a:t>
+            </a:r>
+            <a:endParaRPr lang="en-US" sz="2400">
+              <a:solidFill>
+                <a:schemeClr val="tx1"/>
+              </a:solidFill>
+              <a:latin typeface="Times New Roman" panose="02020603050405020304" charset="0"/>
+              <a:cs typeface="Times New Roman" panose="02020603050405020304" charset="0"/>
+            </a:endParaRPr>
+          </a:p>
+        </p:txBody>
+      </p:sp>
     </p:spTree>
   </p:cSld>
   <p:clrMapOvr>
@@ -11462,7 +12527,7 @@
         <p:spPr>
           <a:xfrm>
             <a:off x="940435" y="250190"/>
-            <a:ext cx="10602595" cy="953135"/>
+            <a:ext cx="10602595" cy="521970"/>
           </a:xfrm>
           <a:prstGeom prst="rect">
             <a:avLst/>
@@ -11474,40 +12539,22 @@
             <a:spAutoFit/>
           </a:bodyPr>
           <a:p>
-            <a:pPr algn="l"/>
-            <a:r>
-              <a:rPr lang="en-US" altLang="zh-CN" sz="2800" b="1" dirty="0" smtClean="0">
+            <a:r>
+              <a:rPr lang="en-US" sz="2800" b="1">
                 <a:solidFill>
                   <a:srgbClr val="FF0000"/>
                 </a:solidFill>
                 <a:latin typeface="Times New Roman" panose="02020603050405020304" charset="0"/>
-                <a:ea typeface="Calibri" panose="020F0502020204030204" pitchFamily="34" charset="0"/>
                 <a:cs typeface="Times New Roman" panose="02020603050405020304" charset="0"/>
-                <a:sym typeface="+mn-ea"/>
               </a:rPr>
-              <a:t>2.  Nội dung</a:t>
-            </a:r>
-            <a:r>
-              <a:rPr lang="zh-CN" altLang="en-US" sz="2800" b="1" dirty="0" smtClean="0">
-                <a:solidFill>
-                  <a:srgbClr val="FF0000"/>
-                </a:solidFill>
-                <a:latin typeface="Times New Roman" panose="02020603050405020304" charset="0"/>
-                <a:ea typeface="Calibri" panose="020F0502020204030204" pitchFamily="34" charset="0"/>
-                <a:cs typeface="Times New Roman" panose="02020603050405020304" charset="0"/>
-                <a:sym typeface="+mn-ea"/>
-              </a:rPr>
-              <a:t>
-</a:t>
-            </a:r>
-            <a:endParaRPr lang="zh-CN" altLang="en-US" sz="2800" b="1" dirty="0" smtClean="0">
+              <a:t>Yêu cầu người dùng</a:t>
+            </a:r>
+            <a:endParaRPr lang="en-US" sz="2800" b="1">
               <a:solidFill>
                 <a:srgbClr val="FF0000"/>
               </a:solidFill>
               <a:latin typeface="Times New Roman" panose="02020603050405020304" charset="0"/>
-              <a:ea typeface="Calibri" panose="020F0502020204030204" pitchFamily="34" charset="0"/>
               <a:cs typeface="Times New Roman" panose="02020603050405020304" charset="0"/>
-              <a:sym typeface="+mn-ea"/>
             </a:endParaRPr>
           </a:p>
         </p:txBody>
@@ -11520,8 +12567,8 @@
         </p:nvSpPr>
         <p:spPr>
           <a:xfrm>
-            <a:off x="464820" y="5876290"/>
-            <a:ext cx="10602595" cy="588645"/>
+            <a:off x="464820" y="772160"/>
+            <a:ext cx="10602595" cy="4831080"/>
           </a:xfrm>
           <a:prstGeom prst="rect">
             <a:avLst/>
@@ -11530,10 +12577,10 @@
         </p:spPr>
         <p:txBody>
           <a:bodyPr wrap="square" rtlCol="0">
-            <a:noAutofit/>
+            <a:spAutoFit/>
           </a:bodyPr>
           <a:p>
-            <a:pPr indent="457200" algn="ctr"/>
+            <a:pPr indent="457200"/>
             <a:r>
               <a:rPr lang="en-US" sz="2800">
                 <a:solidFill>
@@ -11542,7 +12589,7 @@
                 <a:latin typeface="Times New Roman" panose="02020603050405020304" charset="0"/>
                 <a:cs typeface="Times New Roman" panose="02020603050405020304" charset="0"/>
               </a:rPr>
-              <a:t>Sơ đồ ERD</a:t>
+              <a:t>2.Người quản lý:</a:t>
             </a:r>
             <a:endParaRPr lang="en-US" sz="2800">
               <a:solidFill>
@@ -11552,36 +12599,148 @@
               <a:cs typeface="Times New Roman" panose="02020603050405020304" charset="0"/>
             </a:endParaRPr>
           </a:p>
-        </p:txBody>
-      </p:sp>
-      <p:pic>
-        <p:nvPicPr>
-          <p:cNvPr id="25" name="Picture 1"/>
-          <p:cNvPicPr>
-            <a:picLocks noChangeAspect="1"/>
-          </p:cNvPicPr>
-          <p:nvPr/>
-        </p:nvPicPr>
-        <p:blipFill>
-          <a:blip r:embed="rId1"/>
-          <a:stretch>
-            <a:fillRect/>
-          </a:stretch>
-        </p:blipFill>
-        <p:spPr>
-          <a:xfrm>
-            <a:off x="2841625" y="1203325"/>
-            <a:ext cx="6509385" cy="4347845"/>
-          </a:xfrm>
-          <a:prstGeom prst="rect">
-            <a:avLst/>
-          </a:prstGeom>
-          <a:noFill/>
-          <a:ln>
-            <a:noFill/>
-          </a:ln>
-        </p:spPr>
-      </p:pic>
+          <a:p>
+            <a:pPr indent="457200"/>
+            <a:r>
+              <a:rPr lang="en-US" sz="2800">
+                <a:solidFill>
+                  <a:schemeClr val="tx1"/>
+                </a:solidFill>
+                <a:latin typeface="Times New Roman" panose="02020603050405020304" charset="0"/>
+                <a:cs typeface="Times New Roman" panose="02020603050405020304" charset="0"/>
+              </a:rPr>
+              <a:t>a.Quản lý xe đạp: Thêm, xóa, sửa xe đạp</a:t>
+            </a:r>
+            <a:endParaRPr lang="en-US" sz="2800">
+              <a:solidFill>
+                <a:schemeClr val="tx1"/>
+              </a:solidFill>
+              <a:latin typeface="Times New Roman" panose="02020603050405020304" charset="0"/>
+              <a:cs typeface="Times New Roman" panose="02020603050405020304" charset="0"/>
+            </a:endParaRPr>
+          </a:p>
+          <a:p>
+            <a:pPr indent="457200"/>
+            <a:r>
+              <a:rPr lang="en-US" sz="2800">
+                <a:solidFill>
+                  <a:schemeClr val="tx1"/>
+                </a:solidFill>
+                <a:latin typeface="Times New Roman" panose="02020603050405020304" charset="0"/>
+                <a:cs typeface="Times New Roman" panose="02020603050405020304" charset="0"/>
+              </a:rPr>
+              <a:t>b.Quản lý thẻ xe: Thêm, sửa thông tin cơ bản của thẻ xe như số điện thoại, mật khẩu, giới tính. Không được chỉnh các thông tin khác </a:t>
+            </a:r>
+            <a:endParaRPr lang="en-US" sz="2800">
+              <a:solidFill>
+                <a:schemeClr val="tx1"/>
+              </a:solidFill>
+              <a:latin typeface="Times New Roman" panose="02020603050405020304" charset="0"/>
+              <a:cs typeface="Times New Roman" panose="02020603050405020304" charset="0"/>
+            </a:endParaRPr>
+          </a:p>
+          <a:p>
+            <a:pPr indent="457200"/>
+            <a:r>
+              <a:rPr lang="en-US" sz="2800">
+                <a:solidFill>
+                  <a:schemeClr val="tx1"/>
+                </a:solidFill>
+                <a:latin typeface="Times New Roman" panose="02020603050405020304" charset="0"/>
+                <a:cs typeface="Times New Roman" panose="02020603050405020304" charset="0"/>
+              </a:rPr>
+              <a:t>c.Quản lý nhân viên: Thêm, xóa, sửa nhân viên.</a:t>
+            </a:r>
+            <a:endParaRPr lang="en-US" sz="2800">
+              <a:solidFill>
+                <a:schemeClr val="tx1"/>
+              </a:solidFill>
+              <a:latin typeface="Times New Roman" panose="02020603050405020304" charset="0"/>
+              <a:cs typeface="Times New Roman" panose="02020603050405020304" charset="0"/>
+            </a:endParaRPr>
+          </a:p>
+          <a:p>
+            <a:pPr indent="457200"/>
+            <a:r>
+              <a:rPr lang="en-US" sz="2800">
+                <a:solidFill>
+                  <a:schemeClr val="tx1"/>
+                </a:solidFill>
+                <a:latin typeface="Times New Roman" panose="02020603050405020304" charset="0"/>
+                <a:cs typeface="Times New Roman" panose="02020603050405020304" charset="0"/>
+              </a:rPr>
+              <a:t>d.Quản lý chi nhánh: thêm, xóa, sửa chi nhánh. Nếu chi nhánh vẫn còn xe thì không được xóa. </a:t>
+            </a:r>
+            <a:endParaRPr lang="en-US" sz="2800">
+              <a:solidFill>
+                <a:schemeClr val="tx1"/>
+              </a:solidFill>
+              <a:latin typeface="Times New Roman" panose="02020603050405020304" charset="0"/>
+              <a:cs typeface="Times New Roman" panose="02020603050405020304" charset="0"/>
+            </a:endParaRPr>
+          </a:p>
+          <a:p>
+            <a:pPr indent="457200"/>
+            <a:r>
+              <a:rPr lang="en-US" sz="2800">
+                <a:solidFill>
+                  <a:schemeClr val="tx1"/>
+                </a:solidFill>
+                <a:latin typeface="Times New Roman" panose="02020603050405020304" charset="0"/>
+                <a:cs typeface="Times New Roman" panose="02020603050405020304" charset="0"/>
+              </a:rPr>
+              <a:t>e.Phân bổ xe: chuyển số lượng xe từ chi nhánh này đến chi nhánh khác.</a:t>
+            </a:r>
+            <a:endParaRPr lang="en-US" sz="2800">
+              <a:solidFill>
+                <a:schemeClr val="tx1"/>
+              </a:solidFill>
+              <a:latin typeface="Times New Roman" panose="02020603050405020304" charset="0"/>
+              <a:cs typeface="Times New Roman" panose="02020603050405020304" charset="0"/>
+            </a:endParaRPr>
+          </a:p>
+          <a:p>
+            <a:pPr indent="457200"/>
+            <a:r>
+              <a:rPr lang="en-US" sz="2800">
+                <a:solidFill>
+                  <a:schemeClr val="tx1"/>
+                </a:solidFill>
+                <a:latin typeface="Times New Roman" panose="02020603050405020304" charset="0"/>
+                <a:cs typeface="Times New Roman" panose="02020603050405020304" charset="0"/>
+              </a:rPr>
+              <a:t>f.Xem thống kê: xem thông kê doanh thu theo tháng.</a:t>
+            </a:r>
+            <a:endParaRPr lang="en-US" sz="2800">
+              <a:solidFill>
+                <a:schemeClr val="tx1"/>
+              </a:solidFill>
+              <a:latin typeface="Times New Roman" panose="02020603050405020304" charset="0"/>
+              <a:cs typeface="Times New Roman" panose="02020603050405020304" charset="0"/>
+            </a:endParaRPr>
+          </a:p>
+          <a:p>
+            <a:pPr indent="457200"/>
+            <a:r>
+              <a:rPr lang="en-US" sz="2800">
+                <a:solidFill>
+                  <a:schemeClr val="tx1"/>
+                </a:solidFill>
+                <a:latin typeface="Times New Roman" panose="02020603050405020304" charset="0"/>
+                <a:cs typeface="Times New Roman" panose="02020603050405020304" charset="0"/>
+              </a:rPr>
+              <a:t>g.Quản lý Loại xe: thêm, xóa, sửa loại xe</a:t>
+            </a:r>
+            <a:endParaRPr lang="en-US" sz="2800">
+              <a:solidFill>
+                <a:schemeClr val="tx1"/>
+              </a:solidFill>
+              <a:latin typeface="Times New Roman" panose="02020603050405020304" charset="0"/>
+              <a:cs typeface="Times New Roman" panose="02020603050405020304" charset="0"/>
+            </a:endParaRPr>
+          </a:p>
+        </p:txBody>
+      </p:sp>
     </p:spTree>
   </p:cSld>
   <p:clrMapOvr>
@@ -11811,7 +12970,7 @@
                 <a:latin typeface="Times New Roman" panose="02020603050405020304" charset="0"/>
                 <a:cs typeface="Times New Roman" panose="02020603050405020304" charset="0"/>
               </a:rPr>
-              <a:t>Sơ đồ màn hình cho quản lý</a:t>
+              <a:t>Sơ đồ Use case</a:t>
             </a:r>
             <a:endParaRPr lang="en-US" sz="2800">
               <a:solidFill>
@@ -11825,25 +12984,30 @@
       </p:sp>
       <p:pic>
         <p:nvPicPr>
-          <p:cNvPr id="10" name="image20.png"/>
-          <p:cNvPicPr preferRelativeResize="0"/>
+          <p:cNvPr id="72" name="Picture 4"/>
+          <p:cNvPicPr>
+            <a:picLocks noChangeAspect="1"/>
+          </p:cNvPicPr>
           <p:nvPr/>
         </p:nvPicPr>
         <p:blipFill>
           <a:blip r:embed="rId1"/>
-          <a:srcRect/>
           <a:stretch>
             <a:fillRect/>
           </a:stretch>
         </p:blipFill>
         <p:spPr>
           <a:xfrm>
-            <a:off x="2098040" y="1240790"/>
-            <a:ext cx="8959215" cy="3525520"/>
-          </a:xfrm>
-          <a:prstGeom prst="rect">
-            <a:avLst/>
-          </a:prstGeom>
+            <a:off x="3128645" y="1208723"/>
+            <a:ext cx="5934710" cy="4440555"/>
+          </a:xfrm>
+          <a:prstGeom prst="rect">
+            <a:avLst/>
+          </a:prstGeom>
+          <a:noFill/>
+          <a:ln>
+            <a:noFill/>
+          </a:ln>
         </p:spPr>
       </p:pic>
     </p:spTree>
@@ -12075,7 +13239,7 @@
                 <a:latin typeface="Times New Roman" panose="02020603050405020304" charset="0"/>
                 <a:cs typeface="Times New Roman" panose="02020603050405020304" charset="0"/>
               </a:rPr>
-              <a:t>Sơ đồ màn hình cho khách hàng</a:t>
+              <a:t>Sơ đồ Class Diagram</a:t>
             </a:r>
             <a:endParaRPr lang="en-US" sz="2800">
               <a:solidFill>
@@ -12089,7 +13253,7 @@
       </p:sp>
       <p:pic>
         <p:nvPicPr>
-          <p:cNvPr id="30" name="image28.png"/>
+          <p:cNvPr id="28" name="image29.png"/>
           <p:cNvPicPr preferRelativeResize="0"/>
           <p:nvPr/>
         </p:nvPicPr>
@@ -12102,8 +13266,8 @@
         </p:blipFill>
         <p:spPr>
           <a:xfrm>
-            <a:off x="2647950" y="1203325"/>
-            <a:ext cx="7187565" cy="3718560"/>
+            <a:off x="3216275" y="1092200"/>
+            <a:ext cx="5759450" cy="4673600"/>
           </a:xfrm>
           <a:prstGeom prst="rect">
             <a:avLst/>
